--- a/Classes/20221003.pptx
+++ b/Classes/20221003.pptx
@@ -5,25 +5,26 @@
     <p:sldMasterId id="2147483648" r:id="rId1"/>
   </p:sldMasterIdLst>
   <p:notesMasterIdLst>
-    <p:notesMasterId r:id="rId15"/>
+    <p:notesMasterId r:id="rId16"/>
   </p:notesMasterIdLst>
   <p:handoutMasterIdLst>
-    <p:handoutMasterId r:id="rId16"/>
+    <p:handoutMasterId r:id="rId17"/>
   </p:handoutMasterIdLst>
   <p:sldIdLst>
     <p:sldId id="1801" r:id="rId2"/>
     <p:sldId id="256" r:id="rId3"/>
-    <p:sldId id="1803" r:id="rId4"/>
-    <p:sldId id="1725" r:id="rId5"/>
-    <p:sldId id="1760" r:id="rId6"/>
-    <p:sldId id="1777" r:id="rId7"/>
-    <p:sldId id="1775" r:id="rId8"/>
-    <p:sldId id="1797" r:id="rId9"/>
-    <p:sldId id="1804" r:id="rId10"/>
-    <p:sldId id="1800" r:id="rId11"/>
-    <p:sldId id="1799" r:id="rId12"/>
-    <p:sldId id="1780" r:id="rId13"/>
-    <p:sldId id="1802" r:id="rId14"/>
+    <p:sldId id="1805" r:id="rId4"/>
+    <p:sldId id="1803" r:id="rId5"/>
+    <p:sldId id="1725" r:id="rId6"/>
+    <p:sldId id="1760" r:id="rId7"/>
+    <p:sldId id="1777" r:id="rId8"/>
+    <p:sldId id="1775" r:id="rId9"/>
+    <p:sldId id="1797" r:id="rId10"/>
+    <p:sldId id="1804" r:id="rId11"/>
+    <p:sldId id="1800" r:id="rId12"/>
+    <p:sldId id="1799" r:id="rId13"/>
+    <p:sldId id="1780" r:id="rId14"/>
+    <p:sldId id="1802" r:id="rId15"/>
   </p:sldIdLst>
   <p:sldSz cx="9144000" cy="6858000" type="screen4x3"/>
   <p:notesSz cx="6918325" cy="9204325"/>
@@ -1371,7 +1372,7 @@
             <a:fld id="{BC692357-ED53-4B4C-AA76-0BACF0897969}" type="slidenum">
               <a:rPr lang="en-US" altLang="en-US" sz="1200" b="0" smtClean="0"/>
               <a:pPr/>
-              <a:t>6</a:t>
+              <a:t>7</a:t>
             </a:fld>
             <a:endParaRPr lang="en-US" altLang="en-US" sz="1200" b="0"/>
           </a:p>
@@ -1579,7 +1580,7 @@
             <a:fld id="{BC692357-ED53-4B4C-AA76-0BACF0897969}" type="slidenum">
               <a:rPr lang="en-US" altLang="en-US" sz="1200" b="0" smtClean="0"/>
               <a:pPr/>
-              <a:t>7</a:t>
+              <a:t>8</a:t>
             </a:fld>
             <a:endParaRPr lang="en-US" altLang="en-US" sz="1200" b="0"/>
           </a:p>
@@ -1787,7 +1788,7 @@
             <a:fld id="{BC692357-ED53-4B4C-AA76-0BACF0897969}" type="slidenum">
               <a:rPr lang="en-US" altLang="en-US" sz="1200" b="0" smtClean="0"/>
               <a:pPr/>
-              <a:t>10</a:t>
+              <a:t>11</a:t>
             </a:fld>
             <a:endParaRPr lang="en-US" altLang="en-US" sz="1200" b="0"/>
           </a:p>
@@ -1995,7 +1996,7 @@
             <a:fld id="{BC692357-ED53-4B4C-AA76-0BACF0897969}" type="slidenum">
               <a:rPr lang="en-US" altLang="en-US" sz="1200" b="0" smtClean="0"/>
               <a:pPr/>
-              <a:t>12</a:t>
+              <a:t>13</a:t>
             </a:fld>
             <a:endParaRPr lang="en-US" altLang="en-US" sz="1200" b="0"/>
           </a:p>
@@ -2203,7 +2204,7 @@
             <a:fld id="{BC692357-ED53-4B4C-AA76-0BACF0897969}" type="slidenum">
               <a:rPr lang="en-US" altLang="en-US" sz="1200" b="0" smtClean="0"/>
               <a:pPr/>
-              <a:t>13</a:t>
+              <a:t>14</a:t>
             </a:fld>
             <a:endParaRPr lang="en-US" altLang="en-US" sz="1200" b="0"/>
           </a:p>
@@ -5268,6 +5269,291 @@
       </p:grpSpPr>
       <p:sp>
         <p:nvSpPr>
+          <p:cNvPr id="3" name="TextBox 2">
+            <a:extLst>
+              <a:ext uri="{FF2B5EF4-FFF2-40B4-BE49-F238E27FC236}">
+                <a16:creationId xmlns:a16="http://schemas.microsoft.com/office/drawing/2014/main" id="{AF8FC9BB-9DB2-095C-1565-78DB9BCA5227}"/>
+              </a:ext>
+            </a:extLst>
+          </p:cNvPr>
+          <p:cNvSpPr txBox="1"/>
+          <p:nvPr/>
+        </p:nvSpPr>
+        <p:spPr>
+          <a:xfrm>
+            <a:off x="7165428" y="857250"/>
+            <a:ext cx="1978573" cy="323165"/>
+          </a:xfrm>
+          <a:prstGeom prst="rect">
+            <a:avLst/>
+          </a:prstGeom>
+          <a:noFill/>
+        </p:spPr>
+        <p:txBody>
+          <a:bodyPr wrap="square" rtlCol="0">
+            <a:spAutoFit/>
+          </a:bodyPr>
+          <a:lstStyle/>
+          <a:p>
+            <a:pPr algn="r"/>
+            <a:r>
+              <a:rPr lang="en-US" altLang="zh-CN" sz="1500" dirty="0">
+                <a:solidFill>
+                  <a:schemeClr val="bg1">
+                    <a:lumMod val="85000"/>
+                  </a:schemeClr>
+                </a:solidFill>
+              </a:rPr>
+              <a:t>AAFIE, 2022</a:t>
+            </a:r>
+            <a:endParaRPr lang="en-US" sz="1500" dirty="0">
+              <a:solidFill>
+                <a:schemeClr val="bg1">
+                  <a:lumMod val="85000"/>
+                </a:schemeClr>
+              </a:solidFill>
+            </a:endParaRPr>
+          </a:p>
+        </p:txBody>
+      </p:sp>
+      <p:sp>
+        <p:nvSpPr>
+          <p:cNvPr id="10" name="Rectangle 9">
+            <a:extLst>
+              <a:ext uri="{FF2B5EF4-FFF2-40B4-BE49-F238E27FC236}">
+                <a16:creationId xmlns:a16="http://schemas.microsoft.com/office/drawing/2014/main" id="{1510A9D2-9B0F-CE65-A9E9-831F782E8464}"/>
+              </a:ext>
+            </a:extLst>
+          </p:cNvPr>
+          <p:cNvSpPr/>
+          <p:nvPr/>
+        </p:nvSpPr>
+        <p:spPr>
+          <a:xfrm>
+            <a:off x="635619" y="247842"/>
+            <a:ext cx="8601879" cy="523220"/>
+          </a:xfrm>
+          <a:prstGeom prst="rect">
+            <a:avLst/>
+          </a:prstGeom>
+        </p:spPr>
+        <p:txBody>
+          <a:bodyPr wrap="square">
+            <a:spAutoFit/>
+          </a:bodyPr>
+          <a:lstStyle/>
+          <a:p>
+            <a:r>
+              <a:rPr lang="en-US" altLang="zh-CN" sz="2800" dirty="0"/>
+              <a:t>In-class project introduction </a:t>
+            </a:r>
+            <a:r>
+              <a:rPr lang="zh-CN" altLang="en-US" sz="2800" dirty="0"/>
+              <a:t>课堂项目介绍</a:t>
+            </a:r>
+            <a:endParaRPr lang="en-US" sz="3600" dirty="0">
+              <a:latin typeface="+mn-lt"/>
+            </a:endParaRPr>
+          </a:p>
+        </p:txBody>
+      </p:sp>
+      <p:sp>
+        <p:nvSpPr>
+          <p:cNvPr id="6" name="TextBox 5">
+            <a:extLst>
+              <a:ext uri="{FF2B5EF4-FFF2-40B4-BE49-F238E27FC236}">
+                <a16:creationId xmlns:a16="http://schemas.microsoft.com/office/drawing/2014/main" id="{23EB4840-530F-8777-5214-45EA32B6695E}"/>
+              </a:ext>
+            </a:extLst>
+          </p:cNvPr>
+          <p:cNvSpPr txBox="1"/>
+          <p:nvPr/>
+        </p:nvSpPr>
+        <p:spPr>
+          <a:xfrm>
+            <a:off x="390329" y="980360"/>
+            <a:ext cx="8601879" cy="400110"/>
+          </a:xfrm>
+          <a:prstGeom prst="rect">
+            <a:avLst/>
+          </a:prstGeom>
+          <a:noFill/>
+        </p:spPr>
+        <p:txBody>
+          <a:bodyPr wrap="square">
+            <a:spAutoFit/>
+          </a:bodyPr>
+          <a:lstStyle/>
+          <a:p>
+            <a:r>
+              <a:rPr lang="en-US" b="1" i="0" dirty="0">
+                <a:solidFill>
+                  <a:srgbClr val="202124"/>
+                </a:solidFill>
+                <a:effectLst/>
+                <a:latin typeface="Roboto" panose="02000000000000000000" pitchFamily="2" charset="0"/>
+              </a:rPr>
+              <a:t>Datasets / </a:t>
+            </a:r>
+            <a:r>
+              <a:rPr lang="zh-CN" altLang="en-US" b="1" i="0" dirty="0">
+                <a:solidFill>
+                  <a:srgbClr val="202124"/>
+                </a:solidFill>
+                <a:effectLst/>
+                <a:latin typeface="Roboto" panose="02000000000000000000" pitchFamily="2" charset="0"/>
+              </a:rPr>
+              <a:t>数据包</a:t>
+            </a:r>
+            <a:endParaRPr lang="en-US" b="1" i="0" dirty="0">
+              <a:solidFill>
+                <a:srgbClr val="202124"/>
+              </a:solidFill>
+              <a:effectLst/>
+              <a:latin typeface="Roboto" panose="02000000000000000000" pitchFamily="2" charset="0"/>
+            </a:endParaRPr>
+          </a:p>
+        </p:txBody>
+      </p:sp>
+      <p:sp>
+        <p:nvSpPr>
+          <p:cNvPr id="2" name="TextBox 1">
+            <a:extLst>
+              <a:ext uri="{FF2B5EF4-FFF2-40B4-BE49-F238E27FC236}">
+                <a16:creationId xmlns:a16="http://schemas.microsoft.com/office/drawing/2014/main" id="{EE2703F0-BDCC-8697-26AF-3BF6F6F6A1CA}"/>
+              </a:ext>
+            </a:extLst>
+          </p:cNvPr>
+          <p:cNvSpPr txBox="1"/>
+          <p:nvPr/>
+        </p:nvSpPr>
+        <p:spPr>
+          <a:xfrm>
+            <a:off x="256478" y="1628078"/>
+            <a:ext cx="8578487" cy="400110"/>
+          </a:xfrm>
+          <a:prstGeom prst="rect">
+            <a:avLst/>
+          </a:prstGeom>
+          <a:noFill/>
+        </p:spPr>
+        <p:txBody>
+          <a:bodyPr wrap="square" rtlCol="0">
+            <a:spAutoFit/>
+          </a:bodyPr>
+          <a:lstStyle/>
+          <a:p>
+            <a:r>
+              <a:rPr lang="zh-CN" altLang="en-US" dirty="0"/>
+              <a:t>（</a:t>
+            </a:r>
+            <a:r>
+              <a:rPr lang="en-US" altLang="zh-CN" dirty="0"/>
+              <a:t>for classification / </a:t>
+            </a:r>
+            <a:r>
+              <a:rPr lang="zh-CN" altLang="en-US" dirty="0"/>
+              <a:t>分类）</a:t>
+            </a:r>
+            <a:endParaRPr lang="en-US" dirty="0"/>
+          </a:p>
+        </p:txBody>
+      </p:sp>
+      <p:graphicFrame>
+        <p:nvGraphicFramePr>
+          <p:cNvPr id="9" name="Object 8">
+            <a:extLst>
+              <a:ext uri="{FF2B5EF4-FFF2-40B4-BE49-F238E27FC236}">
+                <a16:creationId xmlns:a16="http://schemas.microsoft.com/office/drawing/2014/main" id="{5AF70B8A-7203-3873-26BC-7AAB1AE2A8B0}"/>
+              </a:ext>
+            </a:extLst>
+          </p:cNvPr>
+          <p:cNvGraphicFramePr>
+            <a:graphicFrameLocks noChangeAspect="1"/>
+          </p:cNvGraphicFramePr>
+          <p:nvPr>
+            <p:extLst>
+              <p:ext uri="{D42A27DB-BD31-4B8C-83A1-F6EECF244321}">
+                <p14:modId xmlns:p14="http://schemas.microsoft.com/office/powerpoint/2010/main" val="2035545235"/>
+              </p:ext>
+            </p:extLst>
+          </p:nvPr>
+        </p:nvGraphicFramePr>
+        <p:xfrm>
+          <a:off x="925551" y="2257425"/>
+          <a:ext cx="7757985" cy="1656653"/>
+        </p:xfrm>
+        <a:graphic>
+          <a:graphicData uri="http://schemas.openxmlformats.org/presentationml/2006/ole">
+            <mc:AlternateContent xmlns:mc="http://schemas.openxmlformats.org/markup-compatibility/2006">
+              <mc:Choice xmlns:v="urn:schemas-microsoft-com:vml" Requires="v">
+                <p:oleObj name="Worksheet" r:id="rId2" imgW="5486400" imgH="1171474" progId="Excel.Sheet.12">
+                  <p:embed/>
+                </p:oleObj>
+              </mc:Choice>
+              <mc:Fallback>
+                <p:oleObj name="Worksheet" r:id="rId2" imgW="5486400" imgH="1171474" progId="Excel.Sheet.12">
+                  <p:embed/>
+                  <p:pic>
+                    <p:nvPicPr>
+                      <p:cNvPr id="0" name=""/>
+                      <p:cNvPicPr/>
+                      <p:nvPr/>
+                    </p:nvPicPr>
+                    <p:blipFill>
+                      <a:blip r:embed="rId3"/>
+                      <a:stretch>
+                        <a:fillRect/>
+                      </a:stretch>
+                    </p:blipFill>
+                    <p:spPr>
+                      <a:xfrm>
+                        <a:off x="925551" y="2257425"/>
+                        <a:ext cx="7757985" cy="1656653"/>
+                      </a:xfrm>
+                      <a:prstGeom prst="rect">
+                        <a:avLst/>
+                      </a:prstGeom>
+                    </p:spPr>
+                  </p:pic>
+                </p:oleObj>
+              </mc:Fallback>
+            </mc:AlternateContent>
+          </a:graphicData>
+        </a:graphic>
+      </p:graphicFrame>
+    </p:spTree>
+    <p:extLst>
+      <p:ext uri="{BB962C8B-B14F-4D97-AF65-F5344CB8AC3E}">
+        <p14:creationId xmlns:p14="http://schemas.microsoft.com/office/powerpoint/2010/main" val="1946204435"/>
+      </p:ext>
+    </p:extLst>
+  </p:cSld>
+  <p:clrMapOvr>
+    <a:masterClrMapping/>
+  </p:clrMapOvr>
+</p:sld>
+</file>
+
+<file path=ppt/slides/slide11.xml><?xml version="1.0" encoding="utf-8"?>
+<p:sld xmlns:a="http://schemas.openxmlformats.org/drawingml/2006/main" xmlns:r="http://schemas.openxmlformats.org/officeDocument/2006/relationships" xmlns:p="http://schemas.openxmlformats.org/presentationml/2006/main">
+  <p:cSld>
+    <p:spTree>
+      <p:nvGrpSpPr>
+        <p:cNvPr id="1" name=""/>
+        <p:cNvGrpSpPr/>
+        <p:nvPr/>
+      </p:nvGrpSpPr>
+      <p:grpSpPr>
+        <a:xfrm>
+          <a:off x="0" y="0"/>
+          <a:ext cx="0" cy="0"/>
+          <a:chOff x="0" y="0"/>
+          <a:chExt cx="0" cy="0"/>
+        </a:xfrm>
+      </p:grpSpPr>
+      <p:sp>
+        <p:nvSpPr>
           <p:cNvPr id="2" name="Rectangle 1">
             <a:extLst>
               <a:ext uri="{FF2B5EF4-FFF2-40B4-BE49-F238E27FC236}">
@@ -5610,7 +5896,7 @@
 </p:sld>
 </file>
 
-<file path=ppt/slides/slide11.xml><?xml version="1.0" encoding="utf-8"?>
+<file path=ppt/slides/slide12.xml><?xml version="1.0" encoding="utf-8"?>
 <p:sld xmlns:a="http://schemas.openxmlformats.org/drawingml/2006/main" xmlns:r="http://schemas.openxmlformats.org/officeDocument/2006/relationships" xmlns:p="http://schemas.openxmlformats.org/presentationml/2006/main">
   <p:cSld>
     <p:spTree>
@@ -6120,7 +6406,7 @@
 </p:sld>
 </file>
 
-<file path=ppt/slides/slide12.xml><?xml version="1.0" encoding="utf-8"?>
+<file path=ppt/slides/slide13.xml><?xml version="1.0" encoding="utf-8"?>
 <p:sld xmlns:a="http://schemas.openxmlformats.org/drawingml/2006/main" xmlns:r="http://schemas.openxmlformats.org/officeDocument/2006/relationships" xmlns:p="http://schemas.openxmlformats.org/presentationml/2006/main">
   <p:cSld>
     <p:spTree>
@@ -6345,7 +6631,7 @@
 </p:sld>
 </file>
 
-<file path=ppt/slides/slide13.xml><?xml version="1.0" encoding="utf-8"?>
+<file path=ppt/slides/slide14.xml><?xml version="1.0" encoding="utf-8"?>
 <p:sld xmlns:a="http://schemas.openxmlformats.org/drawingml/2006/main" xmlns:r="http://schemas.openxmlformats.org/officeDocument/2006/relationships" xmlns:p="http://schemas.openxmlformats.org/presentationml/2006/main">
   <p:cSld>
     <p:spTree>
@@ -6919,10 +7205,45 @@
           </a:p>
         </p:txBody>
       </p:sp>
+      <p:sp>
+        <p:nvSpPr>
+          <p:cNvPr id="7" name="TextBox 6">
+            <a:extLst>
+              <a:ext uri="{FF2B5EF4-FFF2-40B4-BE49-F238E27FC236}">
+                <a16:creationId xmlns:a16="http://schemas.microsoft.com/office/drawing/2014/main" id="{7830FAE5-4761-C176-2BB8-F45E5B3EC20F}"/>
+              </a:ext>
+            </a:extLst>
+          </p:cNvPr>
+          <p:cNvSpPr txBox="1"/>
+          <p:nvPr/>
+        </p:nvSpPr>
+        <p:spPr>
+          <a:xfrm>
+            <a:off x="2185639" y="2921169"/>
+            <a:ext cx="4661210" cy="1015663"/>
+          </a:xfrm>
+          <a:prstGeom prst="rect">
+            <a:avLst/>
+          </a:prstGeom>
+          <a:noFill/>
+        </p:spPr>
+        <p:txBody>
+          <a:bodyPr wrap="square">
+            <a:spAutoFit/>
+          </a:bodyPr>
+          <a:lstStyle/>
+          <a:p>
+            <a:r>
+              <a:rPr lang="en-US" dirty="0"/>
+              <a:t>https://www.kaggle.com/code/stemproacademy/template-pdm-class2022/edit/run/106995541</a:t>
+            </a:r>
+          </a:p>
+        </p:txBody>
+      </p:sp>
     </p:spTree>
     <p:extLst>
       <p:ext uri="{BB962C8B-B14F-4D97-AF65-F5344CB8AC3E}">
-        <p14:creationId xmlns:p14="http://schemas.microsoft.com/office/powerpoint/2010/main" val="2698362477"/>
+        <p14:creationId xmlns:p14="http://schemas.microsoft.com/office/powerpoint/2010/main" val="3039269333"/>
       </p:ext>
     </p:extLst>
   </p:cSld>
@@ -6967,7 +7288,7 @@
         </p:nvSpPr>
         <p:spPr>
           <a:xfrm>
-            <a:off x="0" y="1116276"/>
+            <a:off x="1" y="1317753"/>
             <a:ext cx="9032488" cy="3521875"/>
           </a:xfrm>
         </p:spPr>
@@ -6980,7 +7301,19 @@
             <a:pPr algn="l"/>
             <a:r>
               <a:rPr lang="en-US" sz="3000" b="1" dirty="0"/>
-              <a:t>10/03/2022</a:t>
+              <a:t>For students who use Kaggle / </a:t>
+            </a:r>
+            <a:r>
+              <a:rPr lang="zh-CN" altLang="en-US" sz="3000" b="1" dirty="0"/>
+              <a:t>用</a:t>
+            </a:r>
+            <a:r>
+              <a:rPr lang="en-US" altLang="zh-CN" sz="3000" b="1" dirty="0"/>
+              <a:t>Kaggle</a:t>
+            </a:r>
+            <a:r>
+              <a:rPr lang="zh-CN" altLang="en-US" sz="3000" b="1" dirty="0"/>
+              <a:t>的同学：</a:t>
             </a:r>
             <a:br>
               <a:rPr lang="en-US" sz="3000" b="1" dirty="0"/>
@@ -6989,8 +7322,8 @@
               <a:rPr lang="en-US" sz="3000" b="1" dirty="0"/>
             </a:br>
             <a:r>
-              <a:rPr lang="en-US" sz="3000" b="1" dirty="0"/>
-              <a:t>Before we start: Any Questions?</a:t>
+              <a:rPr lang="en-US" altLang="zh-CN" sz="3000" b="1" dirty="0"/>
+              <a:t>Link: </a:t>
             </a:r>
             <a:endParaRPr lang="en-US" sz="3000" dirty="0"/>
           </a:p>
@@ -7116,10 +7449,10 @@
       </p:sp>
       <p:sp>
         <p:nvSpPr>
-          <p:cNvPr id="4" name="TextBox 3">
+          <p:cNvPr id="5" name="TextBox 4">
             <a:extLst>
               <a:ext uri="{FF2B5EF4-FFF2-40B4-BE49-F238E27FC236}">
-                <a16:creationId xmlns:a16="http://schemas.microsoft.com/office/drawing/2014/main" id="{24F4BEB2-D216-6235-C71A-7F1D428D4ACD}"/>
+                <a16:creationId xmlns:a16="http://schemas.microsoft.com/office/drawing/2014/main" id="{37FD2185-0182-EE83-3683-2C77442703F1}"/>
               </a:ext>
             </a:extLst>
           </p:cNvPr>
@@ -7158,10 +7491,45 @@
           </a:p>
         </p:txBody>
       </p:sp>
+      <p:sp>
+        <p:nvSpPr>
+          <p:cNvPr id="7" name="TextBox 6">
+            <a:extLst>
+              <a:ext uri="{FF2B5EF4-FFF2-40B4-BE49-F238E27FC236}">
+                <a16:creationId xmlns:a16="http://schemas.microsoft.com/office/drawing/2014/main" id="{7830FAE5-4761-C176-2BB8-F45E5B3EC20F}"/>
+              </a:ext>
+            </a:extLst>
+          </p:cNvPr>
+          <p:cNvSpPr txBox="1"/>
+          <p:nvPr/>
+        </p:nvSpPr>
+        <p:spPr>
+          <a:xfrm>
+            <a:off x="1003610" y="2921169"/>
+            <a:ext cx="7225990" cy="707886"/>
+          </a:xfrm>
+          <a:prstGeom prst="rect">
+            <a:avLst/>
+          </a:prstGeom>
+          <a:noFill/>
+        </p:spPr>
+        <p:txBody>
+          <a:bodyPr wrap="square">
+            <a:spAutoFit/>
+          </a:bodyPr>
+          <a:lstStyle/>
+          <a:p>
+            <a:r>
+              <a:rPr lang="en-US" dirty="0"/>
+              <a:t>https://www.kaggle.com/code/stemproacademy/template-pdm-class2022/edit/run/106995541</a:t>
+            </a:r>
+          </a:p>
+        </p:txBody>
+      </p:sp>
     </p:spTree>
     <p:extLst>
       <p:ext uri="{BB962C8B-B14F-4D97-AF65-F5344CB8AC3E}">
-        <p14:creationId xmlns:p14="http://schemas.microsoft.com/office/powerpoint/2010/main" val="1101209888"/>
+        <p14:creationId xmlns:p14="http://schemas.microsoft.com/office/powerpoint/2010/main" val="2698362477"/>
       </p:ext>
     </p:extLst>
   </p:cSld>
@@ -7206,6 +7574,245 @@
         </p:nvSpPr>
         <p:spPr>
           <a:xfrm>
+            <a:off x="0" y="1116276"/>
+            <a:ext cx="9032488" cy="3521875"/>
+          </a:xfrm>
+        </p:spPr>
+        <p:txBody>
+          <a:bodyPr>
+            <a:normAutofit/>
+          </a:bodyPr>
+          <a:lstStyle/>
+          <a:p>
+            <a:pPr algn="l"/>
+            <a:r>
+              <a:rPr lang="en-US" sz="3000" b="1" dirty="0"/>
+              <a:t>10/03/2022</a:t>
+            </a:r>
+            <a:br>
+              <a:rPr lang="en-US" sz="3000" b="1" dirty="0"/>
+            </a:br>
+            <a:br>
+              <a:rPr lang="en-US" sz="3000" b="1" dirty="0"/>
+            </a:br>
+            <a:r>
+              <a:rPr lang="en-US" sz="3000" b="1" dirty="0"/>
+              <a:t>Before we start: Any Questions?</a:t>
+            </a:r>
+            <a:endParaRPr lang="en-US" sz="3000" dirty="0"/>
+          </a:p>
+        </p:txBody>
+      </p:sp>
+      <p:sp>
+        <p:nvSpPr>
+          <p:cNvPr id="3" name="TextBox 2">
+            <a:extLst>
+              <a:ext uri="{FF2B5EF4-FFF2-40B4-BE49-F238E27FC236}">
+                <a16:creationId xmlns:a16="http://schemas.microsoft.com/office/drawing/2014/main" id="{AF8FC9BB-9DB2-095C-1565-78DB9BCA5227}"/>
+              </a:ext>
+            </a:extLst>
+          </p:cNvPr>
+          <p:cNvSpPr txBox="1"/>
+          <p:nvPr/>
+        </p:nvSpPr>
+        <p:spPr>
+          <a:xfrm>
+            <a:off x="7165428" y="857250"/>
+            <a:ext cx="1978573" cy="323165"/>
+          </a:xfrm>
+          <a:prstGeom prst="rect">
+            <a:avLst/>
+          </a:prstGeom>
+          <a:noFill/>
+        </p:spPr>
+        <p:txBody>
+          <a:bodyPr wrap="square" rtlCol="0">
+            <a:spAutoFit/>
+          </a:bodyPr>
+          <a:lstStyle/>
+          <a:p>
+            <a:pPr algn="r"/>
+            <a:r>
+              <a:rPr lang="en-US" altLang="zh-CN" sz="1500" dirty="0">
+                <a:solidFill>
+                  <a:schemeClr val="bg1">
+                    <a:lumMod val="85000"/>
+                  </a:schemeClr>
+                </a:solidFill>
+              </a:rPr>
+              <a:t>AAFIE, 2022</a:t>
+            </a:r>
+            <a:endParaRPr lang="en-US" sz="1500" dirty="0">
+              <a:solidFill>
+                <a:schemeClr val="bg1">
+                  <a:lumMod val="85000"/>
+                </a:schemeClr>
+              </a:solidFill>
+            </a:endParaRPr>
+          </a:p>
+        </p:txBody>
+      </p:sp>
+      <p:sp>
+        <p:nvSpPr>
+          <p:cNvPr id="6" name="TextBox 5">
+            <a:extLst>
+              <a:ext uri="{FF2B5EF4-FFF2-40B4-BE49-F238E27FC236}">
+                <a16:creationId xmlns:a16="http://schemas.microsoft.com/office/drawing/2014/main" id="{F46F599D-4A46-30EB-7FF9-190285EB25B6}"/>
+              </a:ext>
+            </a:extLst>
+          </p:cNvPr>
+          <p:cNvSpPr txBox="1"/>
+          <p:nvPr/>
+        </p:nvSpPr>
+        <p:spPr>
+          <a:xfrm>
+            <a:off x="6668429" y="4638151"/>
+            <a:ext cx="2475571" cy="1015663"/>
+          </a:xfrm>
+          <a:prstGeom prst="rect">
+            <a:avLst/>
+          </a:prstGeom>
+          <a:noFill/>
+        </p:spPr>
+        <p:txBody>
+          <a:bodyPr wrap="square">
+            <a:spAutoFit/>
+          </a:bodyPr>
+          <a:lstStyle/>
+          <a:p>
+            <a:r>
+              <a:rPr lang="zh-CN" altLang="en-US" sz="1500" dirty="0"/>
+              <a:t>第一节：</a:t>
+            </a:r>
+            <a:r>
+              <a:rPr lang="en-US" sz="1500" dirty="0"/>
+              <a:t>8:30-9:15</a:t>
+            </a:r>
+          </a:p>
+          <a:p>
+            <a:r>
+              <a:rPr lang="zh-CN" altLang="en-US" sz="1500" dirty="0"/>
+              <a:t>第二节： </a:t>
+            </a:r>
+            <a:r>
+              <a:rPr lang="en-US" sz="1500" dirty="0"/>
+              <a:t>9:20-10:05</a:t>
+            </a:r>
+          </a:p>
+          <a:p>
+            <a:r>
+              <a:rPr lang="zh-CN" altLang="en-US" sz="1500" dirty="0"/>
+              <a:t>第三节： </a:t>
+            </a:r>
+            <a:r>
+              <a:rPr lang="en-US" sz="1500" dirty="0"/>
+              <a:t>10:15-11:00</a:t>
+            </a:r>
+          </a:p>
+          <a:p>
+            <a:r>
+              <a:rPr lang="zh-CN" altLang="en-US" sz="1500" dirty="0"/>
+              <a:t>第四节： </a:t>
+            </a:r>
+            <a:r>
+              <a:rPr lang="en-US" sz="1500" dirty="0"/>
+              <a:t>11:05-11:50</a:t>
+            </a:r>
+          </a:p>
+        </p:txBody>
+      </p:sp>
+      <p:sp>
+        <p:nvSpPr>
+          <p:cNvPr id="4" name="TextBox 3">
+            <a:extLst>
+              <a:ext uri="{FF2B5EF4-FFF2-40B4-BE49-F238E27FC236}">
+                <a16:creationId xmlns:a16="http://schemas.microsoft.com/office/drawing/2014/main" id="{24F4BEB2-D216-6235-C71A-7F1D428D4ACD}"/>
+              </a:ext>
+            </a:extLst>
+          </p:cNvPr>
+          <p:cNvSpPr txBox="1"/>
+          <p:nvPr/>
+        </p:nvSpPr>
+        <p:spPr>
+          <a:xfrm>
+            <a:off x="78059" y="103457"/>
+            <a:ext cx="7828156" cy="523220"/>
+          </a:xfrm>
+          <a:prstGeom prst="rect">
+            <a:avLst/>
+          </a:prstGeom>
+          <a:noFill/>
+        </p:spPr>
+        <p:txBody>
+          <a:bodyPr wrap="square">
+            <a:spAutoFit/>
+          </a:bodyPr>
+          <a:lstStyle/>
+          <a:p>
+            <a:r>
+              <a:rPr lang="en-US" altLang="zh-CN" sz="2800" b="1" dirty="0" err="1"/>
+              <a:t>Pmd</a:t>
+            </a:r>
+            <a:r>
+              <a:rPr lang="en-US" altLang="zh-CN" sz="2800" b="1" dirty="0"/>
+              <a:t> Logistics / </a:t>
+            </a:r>
+            <a:r>
+              <a:rPr lang="zh-CN" altLang="en-US" sz="2800" b="1" dirty="0"/>
+              <a:t>预备</a:t>
+            </a:r>
+            <a:endParaRPr lang="en-US" sz="2800" dirty="0"/>
+          </a:p>
+        </p:txBody>
+      </p:sp>
+    </p:spTree>
+    <p:extLst>
+      <p:ext uri="{BB962C8B-B14F-4D97-AF65-F5344CB8AC3E}">
+        <p14:creationId xmlns:p14="http://schemas.microsoft.com/office/powerpoint/2010/main" val="1101209888"/>
+      </p:ext>
+    </p:extLst>
+  </p:cSld>
+  <p:clrMapOvr>
+    <a:masterClrMapping/>
+  </p:clrMapOvr>
+</p:sld>
+</file>
+
+<file path=ppt/slides/slide6.xml><?xml version="1.0" encoding="utf-8"?>
+<p:sld xmlns:a="http://schemas.openxmlformats.org/drawingml/2006/main" xmlns:r="http://schemas.openxmlformats.org/officeDocument/2006/relationships" xmlns:p="http://schemas.openxmlformats.org/presentationml/2006/main">
+  <p:cSld>
+    <p:spTree>
+      <p:nvGrpSpPr>
+        <p:cNvPr id="1" name=""/>
+        <p:cNvGrpSpPr/>
+        <p:nvPr/>
+      </p:nvGrpSpPr>
+      <p:grpSpPr>
+        <a:xfrm>
+          <a:off x="0" y="0"/>
+          <a:ext cx="0" cy="0"/>
+          <a:chOff x="0" y="0"/>
+          <a:chExt cx="0" cy="0"/>
+        </a:xfrm>
+      </p:grpSpPr>
+      <p:sp>
+        <p:nvSpPr>
+          <p:cNvPr id="2" name="Title 1">
+            <a:extLst>
+              <a:ext uri="{FF2B5EF4-FFF2-40B4-BE49-F238E27FC236}">
+                <a16:creationId xmlns:a16="http://schemas.microsoft.com/office/drawing/2014/main" id="{F19762D9-7C7C-B5F0-5954-BEF25A6623EA}"/>
+              </a:ext>
+            </a:extLst>
+          </p:cNvPr>
+          <p:cNvSpPr>
+            <a:spLocks noGrp="1"/>
+          </p:cNvSpPr>
+          <p:nvPr>
+            <p:ph type="ctrTitle"/>
+          </p:nvPr>
+        </p:nvSpPr>
+        <p:spPr>
+          <a:xfrm>
             <a:off x="0" y="857251"/>
             <a:ext cx="9143999" cy="3982378"/>
           </a:xfrm>
@@ -7474,7 +8081,7 @@
 </p:sld>
 </file>
 
-<file path=ppt/slides/slide6.xml><?xml version="1.0" encoding="utf-8"?>
+<file path=ppt/slides/slide7.xml><?xml version="1.0" encoding="utf-8"?>
 <p:sld xmlns:a="http://schemas.openxmlformats.org/drawingml/2006/main" xmlns:r="http://schemas.openxmlformats.org/officeDocument/2006/relationships" xmlns:p="http://schemas.openxmlformats.org/presentationml/2006/main">
   <p:cSld>
     <p:spTree>
@@ -7835,7 +8442,7 @@
 </p:sld>
 </file>
 
-<file path=ppt/slides/slide7.xml><?xml version="1.0" encoding="utf-8"?>
+<file path=ppt/slides/slide8.xml><?xml version="1.0" encoding="utf-8"?>
 <p:sld xmlns:a="http://schemas.openxmlformats.org/drawingml/2006/main" xmlns:r="http://schemas.openxmlformats.org/officeDocument/2006/relationships" xmlns:p="http://schemas.openxmlformats.org/presentationml/2006/main">
   <p:cSld>
     <p:spTree>
@@ -8077,7 +8684,7 @@
 </p:sld>
 </file>
 
-<file path=ppt/slides/slide8.xml><?xml version="1.0" encoding="utf-8"?>
+<file path=ppt/slides/slide9.xml><?xml version="1.0" encoding="utf-8"?>
 <p:sld xmlns:a="http://schemas.openxmlformats.org/drawingml/2006/main" xmlns:r="http://schemas.openxmlformats.org/officeDocument/2006/relationships" xmlns:p="http://schemas.openxmlformats.org/presentationml/2006/main">
   <p:cSld>
     <p:spTree>
@@ -8505,291 +9112,6 @@
     <p:extLst>
       <p:ext uri="{BB962C8B-B14F-4D97-AF65-F5344CB8AC3E}">
         <p14:creationId xmlns:p14="http://schemas.microsoft.com/office/powerpoint/2010/main" val="251924233"/>
-      </p:ext>
-    </p:extLst>
-  </p:cSld>
-  <p:clrMapOvr>
-    <a:masterClrMapping/>
-  </p:clrMapOvr>
-</p:sld>
-</file>
-
-<file path=ppt/slides/slide9.xml><?xml version="1.0" encoding="utf-8"?>
-<p:sld xmlns:a="http://schemas.openxmlformats.org/drawingml/2006/main" xmlns:r="http://schemas.openxmlformats.org/officeDocument/2006/relationships" xmlns:p="http://schemas.openxmlformats.org/presentationml/2006/main">
-  <p:cSld>
-    <p:spTree>
-      <p:nvGrpSpPr>
-        <p:cNvPr id="1" name=""/>
-        <p:cNvGrpSpPr/>
-        <p:nvPr/>
-      </p:nvGrpSpPr>
-      <p:grpSpPr>
-        <a:xfrm>
-          <a:off x="0" y="0"/>
-          <a:ext cx="0" cy="0"/>
-          <a:chOff x="0" y="0"/>
-          <a:chExt cx="0" cy="0"/>
-        </a:xfrm>
-      </p:grpSpPr>
-      <p:sp>
-        <p:nvSpPr>
-          <p:cNvPr id="3" name="TextBox 2">
-            <a:extLst>
-              <a:ext uri="{FF2B5EF4-FFF2-40B4-BE49-F238E27FC236}">
-                <a16:creationId xmlns:a16="http://schemas.microsoft.com/office/drawing/2014/main" id="{AF8FC9BB-9DB2-095C-1565-78DB9BCA5227}"/>
-              </a:ext>
-            </a:extLst>
-          </p:cNvPr>
-          <p:cNvSpPr txBox="1"/>
-          <p:nvPr/>
-        </p:nvSpPr>
-        <p:spPr>
-          <a:xfrm>
-            <a:off x="7165428" y="857250"/>
-            <a:ext cx="1978573" cy="323165"/>
-          </a:xfrm>
-          <a:prstGeom prst="rect">
-            <a:avLst/>
-          </a:prstGeom>
-          <a:noFill/>
-        </p:spPr>
-        <p:txBody>
-          <a:bodyPr wrap="square" rtlCol="0">
-            <a:spAutoFit/>
-          </a:bodyPr>
-          <a:lstStyle/>
-          <a:p>
-            <a:pPr algn="r"/>
-            <a:r>
-              <a:rPr lang="en-US" altLang="zh-CN" sz="1500" dirty="0">
-                <a:solidFill>
-                  <a:schemeClr val="bg1">
-                    <a:lumMod val="85000"/>
-                  </a:schemeClr>
-                </a:solidFill>
-              </a:rPr>
-              <a:t>AAFIE, 2022</a:t>
-            </a:r>
-            <a:endParaRPr lang="en-US" sz="1500" dirty="0">
-              <a:solidFill>
-                <a:schemeClr val="bg1">
-                  <a:lumMod val="85000"/>
-                </a:schemeClr>
-              </a:solidFill>
-            </a:endParaRPr>
-          </a:p>
-        </p:txBody>
-      </p:sp>
-      <p:sp>
-        <p:nvSpPr>
-          <p:cNvPr id="10" name="Rectangle 9">
-            <a:extLst>
-              <a:ext uri="{FF2B5EF4-FFF2-40B4-BE49-F238E27FC236}">
-                <a16:creationId xmlns:a16="http://schemas.microsoft.com/office/drawing/2014/main" id="{1510A9D2-9B0F-CE65-A9E9-831F782E8464}"/>
-              </a:ext>
-            </a:extLst>
-          </p:cNvPr>
-          <p:cNvSpPr/>
-          <p:nvPr/>
-        </p:nvSpPr>
-        <p:spPr>
-          <a:xfrm>
-            <a:off x="635619" y="247842"/>
-            <a:ext cx="8601879" cy="523220"/>
-          </a:xfrm>
-          <a:prstGeom prst="rect">
-            <a:avLst/>
-          </a:prstGeom>
-        </p:spPr>
-        <p:txBody>
-          <a:bodyPr wrap="square">
-            <a:spAutoFit/>
-          </a:bodyPr>
-          <a:lstStyle/>
-          <a:p>
-            <a:r>
-              <a:rPr lang="en-US" altLang="zh-CN" sz="2800" dirty="0"/>
-              <a:t>In-class project introduction </a:t>
-            </a:r>
-            <a:r>
-              <a:rPr lang="zh-CN" altLang="en-US" sz="2800" dirty="0"/>
-              <a:t>课堂项目介绍</a:t>
-            </a:r>
-            <a:endParaRPr lang="en-US" sz="3600" dirty="0">
-              <a:latin typeface="+mn-lt"/>
-            </a:endParaRPr>
-          </a:p>
-        </p:txBody>
-      </p:sp>
-      <p:sp>
-        <p:nvSpPr>
-          <p:cNvPr id="6" name="TextBox 5">
-            <a:extLst>
-              <a:ext uri="{FF2B5EF4-FFF2-40B4-BE49-F238E27FC236}">
-                <a16:creationId xmlns:a16="http://schemas.microsoft.com/office/drawing/2014/main" id="{23EB4840-530F-8777-5214-45EA32B6695E}"/>
-              </a:ext>
-            </a:extLst>
-          </p:cNvPr>
-          <p:cNvSpPr txBox="1"/>
-          <p:nvPr/>
-        </p:nvSpPr>
-        <p:spPr>
-          <a:xfrm>
-            <a:off x="390329" y="980360"/>
-            <a:ext cx="8601879" cy="400110"/>
-          </a:xfrm>
-          <a:prstGeom prst="rect">
-            <a:avLst/>
-          </a:prstGeom>
-          <a:noFill/>
-        </p:spPr>
-        <p:txBody>
-          <a:bodyPr wrap="square">
-            <a:spAutoFit/>
-          </a:bodyPr>
-          <a:lstStyle/>
-          <a:p>
-            <a:r>
-              <a:rPr lang="en-US" b="1" i="0" dirty="0">
-                <a:solidFill>
-                  <a:srgbClr val="202124"/>
-                </a:solidFill>
-                <a:effectLst/>
-                <a:latin typeface="Roboto" panose="02000000000000000000" pitchFamily="2" charset="0"/>
-              </a:rPr>
-              <a:t>Datasets / </a:t>
-            </a:r>
-            <a:r>
-              <a:rPr lang="zh-CN" altLang="en-US" b="1" i="0" dirty="0">
-                <a:solidFill>
-                  <a:srgbClr val="202124"/>
-                </a:solidFill>
-                <a:effectLst/>
-                <a:latin typeface="Roboto" panose="02000000000000000000" pitchFamily="2" charset="0"/>
-              </a:rPr>
-              <a:t>数据包</a:t>
-            </a:r>
-            <a:endParaRPr lang="en-US" b="1" i="0" dirty="0">
-              <a:solidFill>
-                <a:srgbClr val="202124"/>
-              </a:solidFill>
-              <a:effectLst/>
-              <a:latin typeface="Roboto" panose="02000000000000000000" pitchFamily="2" charset="0"/>
-            </a:endParaRPr>
-          </a:p>
-        </p:txBody>
-      </p:sp>
-      <p:sp>
-        <p:nvSpPr>
-          <p:cNvPr id="2" name="TextBox 1">
-            <a:extLst>
-              <a:ext uri="{FF2B5EF4-FFF2-40B4-BE49-F238E27FC236}">
-                <a16:creationId xmlns:a16="http://schemas.microsoft.com/office/drawing/2014/main" id="{EE2703F0-BDCC-8697-26AF-3BF6F6F6A1CA}"/>
-              </a:ext>
-            </a:extLst>
-          </p:cNvPr>
-          <p:cNvSpPr txBox="1"/>
-          <p:nvPr/>
-        </p:nvSpPr>
-        <p:spPr>
-          <a:xfrm>
-            <a:off x="256478" y="1628078"/>
-            <a:ext cx="8578487" cy="400110"/>
-          </a:xfrm>
-          <a:prstGeom prst="rect">
-            <a:avLst/>
-          </a:prstGeom>
-          <a:noFill/>
-        </p:spPr>
-        <p:txBody>
-          <a:bodyPr wrap="square" rtlCol="0">
-            <a:spAutoFit/>
-          </a:bodyPr>
-          <a:lstStyle/>
-          <a:p>
-            <a:r>
-              <a:rPr lang="zh-CN" altLang="en-US" dirty="0"/>
-              <a:t>（</a:t>
-            </a:r>
-            <a:r>
-              <a:rPr lang="en-US" altLang="zh-CN" dirty="0"/>
-              <a:t>for classification / </a:t>
-            </a:r>
-            <a:r>
-              <a:rPr lang="zh-CN" altLang="en-US" dirty="0"/>
-              <a:t>分类）</a:t>
-            </a:r>
-            <a:endParaRPr lang="en-US" dirty="0"/>
-          </a:p>
-        </p:txBody>
-      </p:sp>
-      <p:graphicFrame>
-        <p:nvGraphicFramePr>
-          <p:cNvPr id="9" name="Object 8">
-            <a:extLst>
-              <a:ext uri="{FF2B5EF4-FFF2-40B4-BE49-F238E27FC236}">
-                <a16:creationId xmlns:a16="http://schemas.microsoft.com/office/drawing/2014/main" id="{5AF70B8A-7203-3873-26BC-7AAB1AE2A8B0}"/>
-              </a:ext>
-            </a:extLst>
-          </p:cNvPr>
-          <p:cNvGraphicFramePr>
-            <a:graphicFrameLocks noChangeAspect="1"/>
-          </p:cNvGraphicFramePr>
-          <p:nvPr>
-            <p:extLst>
-              <p:ext uri="{D42A27DB-BD31-4B8C-83A1-F6EECF244321}">
-                <p14:modId xmlns:p14="http://schemas.microsoft.com/office/powerpoint/2010/main" val="2035545235"/>
-              </p:ext>
-            </p:extLst>
-          </p:nvPr>
-        </p:nvGraphicFramePr>
-        <p:xfrm>
-          <a:off x="925551" y="2257425"/>
-          <a:ext cx="7757985" cy="1656653"/>
-        </p:xfrm>
-        <a:graphic>
-          <a:graphicData uri="http://schemas.openxmlformats.org/presentationml/2006/ole">
-            <mc:AlternateContent xmlns:mc="http://schemas.openxmlformats.org/markup-compatibility/2006">
-              <mc:Choice xmlns:v="urn:schemas-microsoft-com:vml" Requires="v">
-                <p:oleObj name="Worksheet" r:id="rId2" imgW="5486400" imgH="1171474" progId="Excel.Sheet.12">
-                  <p:embed/>
-                </p:oleObj>
-              </mc:Choice>
-              <mc:Fallback>
-                <p:oleObj name="Worksheet" r:id="rId2" imgW="5486400" imgH="1171474" progId="Excel.Sheet.12">
-                  <p:embed/>
-                  <p:pic>
-                    <p:nvPicPr>
-                      <p:cNvPr id="0" name=""/>
-                      <p:cNvPicPr/>
-                      <p:nvPr/>
-                    </p:nvPicPr>
-                    <p:blipFill>
-                      <a:blip r:embed="rId3"/>
-                      <a:stretch>
-                        <a:fillRect/>
-                      </a:stretch>
-                    </p:blipFill>
-                    <p:spPr>
-                      <a:xfrm>
-                        <a:off x="925551" y="2257425"/>
-                        <a:ext cx="7757985" cy="1656653"/>
-                      </a:xfrm>
-                      <a:prstGeom prst="rect">
-                        <a:avLst/>
-                      </a:prstGeom>
-                    </p:spPr>
-                  </p:pic>
-                </p:oleObj>
-              </mc:Fallback>
-            </mc:AlternateContent>
-          </a:graphicData>
-        </a:graphic>
-      </p:graphicFrame>
-    </p:spTree>
-    <p:extLst>
-      <p:ext uri="{BB962C8B-B14F-4D97-AF65-F5344CB8AC3E}">
-        <p14:creationId xmlns:p14="http://schemas.microsoft.com/office/powerpoint/2010/main" val="1946204435"/>
       </p:ext>
     </p:extLst>
   </p:cSld>

--- a/Classes/20221003.pptx
+++ b/Classes/20221003.pptx
@@ -5,10 +5,10 @@
     <p:sldMasterId id="2147483648" r:id="rId1"/>
   </p:sldMasterIdLst>
   <p:notesMasterIdLst>
-    <p:notesMasterId r:id="rId16"/>
+    <p:notesMasterId r:id="rId17"/>
   </p:notesMasterIdLst>
   <p:handoutMasterIdLst>
-    <p:handoutMasterId r:id="rId17"/>
+    <p:handoutMasterId r:id="rId18"/>
   </p:handoutMasterIdLst>
   <p:sldIdLst>
     <p:sldId id="1801" r:id="rId2"/>
@@ -25,6 +25,7 @@
     <p:sldId id="1799" r:id="rId13"/>
     <p:sldId id="1780" r:id="rId14"/>
     <p:sldId id="1802" r:id="rId15"/>
+    <p:sldId id="1806" r:id="rId16"/>
   </p:sldIdLst>
   <p:sldSz cx="9144000" cy="6858000" type="screen4x3"/>
   <p:notesSz cx="6918325" cy="9204325"/>
@@ -2214,6 +2215,214 @@
     <p:extLst>
       <p:ext uri="{BB962C8B-B14F-4D97-AF65-F5344CB8AC3E}">
         <p14:creationId xmlns:p14="http://schemas.microsoft.com/office/powerpoint/2010/main" val="708745062"/>
+      </p:ext>
+    </p:extLst>
+  </p:cSld>
+  <p:clrMapOvr>
+    <a:masterClrMapping/>
+  </p:clrMapOvr>
+</p:notes>
+</file>
+
+<file path=ppt/notesSlides/notesSlide6.xml><?xml version="1.0" encoding="utf-8"?>
+<p:notes xmlns:a="http://schemas.openxmlformats.org/drawingml/2006/main" xmlns:r="http://schemas.openxmlformats.org/officeDocument/2006/relationships" xmlns:p="http://schemas.openxmlformats.org/presentationml/2006/main">
+  <p:cSld>
+    <p:spTree>
+      <p:nvGrpSpPr>
+        <p:cNvPr id="1" name=""/>
+        <p:cNvGrpSpPr/>
+        <p:nvPr/>
+      </p:nvGrpSpPr>
+      <p:grpSpPr>
+        <a:xfrm>
+          <a:off x="0" y="0"/>
+          <a:ext cx="0" cy="0"/>
+          <a:chOff x="0" y="0"/>
+          <a:chExt cx="0" cy="0"/>
+        </a:xfrm>
+      </p:grpSpPr>
+      <p:sp>
+        <p:nvSpPr>
+          <p:cNvPr id="106498" name="Slide Image Placeholder 1">
+            <a:extLst>
+              <a:ext uri="{FF2B5EF4-FFF2-40B4-BE49-F238E27FC236}">
+                <a16:creationId xmlns:a16="http://schemas.microsoft.com/office/drawing/2014/main" id="{A9E893DF-A47F-4D58-AE48-443164D96B04}"/>
+              </a:ext>
+            </a:extLst>
+          </p:cNvPr>
+          <p:cNvSpPr>
+            <a:spLocks noGrp="1" noRot="1" noChangeAspect="1" noTextEdit="1"/>
+          </p:cNvSpPr>
+          <p:nvPr>
+            <p:ph type="sldImg"/>
+          </p:nvPr>
+        </p:nvSpPr>
+        <p:spPr>
+          <a:ln/>
+        </p:spPr>
+      </p:sp>
+      <p:sp>
+        <p:nvSpPr>
+          <p:cNvPr id="62467" name="Notes Placeholder 2">
+            <a:extLst>
+              <a:ext uri="{FF2B5EF4-FFF2-40B4-BE49-F238E27FC236}">
+                <a16:creationId xmlns:a16="http://schemas.microsoft.com/office/drawing/2014/main" id="{4C269B97-F3AD-4E3C-BFCD-9C7401D9E02D}"/>
+              </a:ext>
+            </a:extLst>
+          </p:cNvPr>
+          <p:cNvSpPr>
+            <a:spLocks noGrp="1" noChangeArrowheads="1"/>
+          </p:cNvSpPr>
+          <p:nvPr>
+            <p:ph type="body" idx="1"/>
+          </p:nvPr>
+        </p:nvSpPr>
+        <p:spPr>
+          <a:noFill/>
+        </p:spPr>
+        <p:txBody>
+          <a:bodyPr/>
+          <a:lstStyle/>
+          <a:p>
+            <a:endParaRPr lang="en-US" altLang="en-US">
+              <a:latin typeface="Arial" panose="020B0604020202020204" pitchFamily="34" charset="0"/>
+            </a:endParaRPr>
+          </a:p>
+        </p:txBody>
+      </p:sp>
+      <p:sp>
+        <p:nvSpPr>
+          <p:cNvPr id="62468" name="Slide Number Placeholder 3">
+            <a:extLst>
+              <a:ext uri="{FF2B5EF4-FFF2-40B4-BE49-F238E27FC236}">
+                <a16:creationId xmlns:a16="http://schemas.microsoft.com/office/drawing/2014/main" id="{7025833E-DAE3-4046-A26D-FA7F5CDEDDE0}"/>
+              </a:ext>
+            </a:extLst>
+          </p:cNvPr>
+          <p:cNvSpPr>
+            <a:spLocks noGrp="1"/>
+          </p:cNvSpPr>
+          <p:nvPr>
+            <p:ph type="sldNum" sz="quarter" idx="5"/>
+          </p:nvPr>
+        </p:nvSpPr>
+        <p:spPr>
+          <a:noFill/>
+        </p:spPr>
+        <p:txBody>
+          <a:bodyPr/>
+          <a:lstStyle>
+            <a:lvl1pPr defTabSz="920750">
+              <a:defRPr sz="2000" b="1">
+                <a:solidFill>
+                  <a:schemeClr val="tx1"/>
+                </a:solidFill>
+                <a:latin typeface="Arial" panose="020B0604020202020204" pitchFamily="34" charset="0"/>
+              </a:defRPr>
+            </a:lvl1pPr>
+            <a:lvl2pPr marL="742950" indent="-285750" defTabSz="920750">
+              <a:defRPr sz="2000" b="1">
+                <a:solidFill>
+                  <a:schemeClr val="tx1"/>
+                </a:solidFill>
+                <a:latin typeface="Arial" panose="020B0604020202020204" pitchFamily="34" charset="0"/>
+              </a:defRPr>
+            </a:lvl2pPr>
+            <a:lvl3pPr marL="1143000" indent="-228600" defTabSz="920750">
+              <a:defRPr sz="2000" b="1">
+                <a:solidFill>
+                  <a:schemeClr val="tx1"/>
+                </a:solidFill>
+                <a:latin typeface="Arial" panose="020B0604020202020204" pitchFamily="34" charset="0"/>
+              </a:defRPr>
+            </a:lvl3pPr>
+            <a:lvl4pPr marL="1600200" indent="-228600" defTabSz="920750">
+              <a:defRPr sz="2000" b="1">
+                <a:solidFill>
+                  <a:schemeClr val="tx1"/>
+                </a:solidFill>
+                <a:latin typeface="Arial" panose="020B0604020202020204" pitchFamily="34" charset="0"/>
+              </a:defRPr>
+            </a:lvl4pPr>
+            <a:lvl5pPr marL="2057400" indent="-228600" defTabSz="920750">
+              <a:defRPr sz="2000" b="1">
+                <a:solidFill>
+                  <a:schemeClr val="tx1"/>
+                </a:solidFill>
+                <a:latin typeface="Arial" panose="020B0604020202020204" pitchFamily="34" charset="0"/>
+              </a:defRPr>
+            </a:lvl5pPr>
+            <a:lvl6pPr marL="2514600" indent="-228600" defTabSz="920750" eaLnBrk="0" fontAlgn="base" hangingPunct="0">
+              <a:spcBef>
+                <a:spcPct val="0"/>
+              </a:spcBef>
+              <a:spcAft>
+                <a:spcPct val="0"/>
+              </a:spcAft>
+              <a:defRPr sz="2000" b="1">
+                <a:solidFill>
+                  <a:schemeClr val="tx1"/>
+                </a:solidFill>
+                <a:latin typeface="Arial" panose="020B0604020202020204" pitchFamily="34" charset="0"/>
+              </a:defRPr>
+            </a:lvl6pPr>
+            <a:lvl7pPr marL="2971800" indent="-228600" defTabSz="920750" eaLnBrk="0" fontAlgn="base" hangingPunct="0">
+              <a:spcBef>
+                <a:spcPct val="0"/>
+              </a:spcBef>
+              <a:spcAft>
+                <a:spcPct val="0"/>
+              </a:spcAft>
+              <a:defRPr sz="2000" b="1">
+                <a:solidFill>
+                  <a:schemeClr val="tx1"/>
+                </a:solidFill>
+                <a:latin typeface="Arial" panose="020B0604020202020204" pitchFamily="34" charset="0"/>
+              </a:defRPr>
+            </a:lvl7pPr>
+            <a:lvl8pPr marL="3429000" indent="-228600" defTabSz="920750" eaLnBrk="0" fontAlgn="base" hangingPunct="0">
+              <a:spcBef>
+                <a:spcPct val="0"/>
+              </a:spcBef>
+              <a:spcAft>
+                <a:spcPct val="0"/>
+              </a:spcAft>
+              <a:defRPr sz="2000" b="1">
+                <a:solidFill>
+                  <a:schemeClr val="tx1"/>
+                </a:solidFill>
+                <a:latin typeface="Arial" panose="020B0604020202020204" pitchFamily="34" charset="0"/>
+              </a:defRPr>
+            </a:lvl8pPr>
+            <a:lvl9pPr marL="3886200" indent="-228600" defTabSz="920750" eaLnBrk="0" fontAlgn="base" hangingPunct="0">
+              <a:spcBef>
+                <a:spcPct val="0"/>
+              </a:spcBef>
+              <a:spcAft>
+                <a:spcPct val="0"/>
+              </a:spcAft>
+              <a:defRPr sz="2000" b="1">
+                <a:solidFill>
+                  <a:schemeClr val="tx1"/>
+                </a:solidFill>
+                <a:latin typeface="Arial" panose="020B0604020202020204" pitchFamily="34" charset="0"/>
+              </a:defRPr>
+            </a:lvl9pPr>
+          </a:lstStyle>
+          <a:p>
+            <a:fld id="{BC692357-ED53-4B4C-AA76-0BACF0897969}" type="slidenum">
+              <a:rPr lang="en-US" altLang="en-US" sz="1200" b="0" smtClean="0"/>
+              <a:pPr/>
+              <a:t>15</a:t>
+            </a:fld>
+            <a:endParaRPr lang="en-US" altLang="en-US" sz="1200" b="0"/>
+          </a:p>
+        </p:txBody>
+      </p:sp>
+    </p:spTree>
+    <p:extLst>
+      <p:ext uri="{BB962C8B-B14F-4D97-AF65-F5344CB8AC3E}">
+        <p14:creationId xmlns:p14="http://schemas.microsoft.com/office/powerpoint/2010/main" val="314667368"/>
       </p:ext>
     </p:extLst>
   </p:cSld>
@@ -6817,6 +7026,305 @@
 </p:sld>
 </file>
 
+<file path=ppt/slides/slide15.xml><?xml version="1.0" encoding="utf-8"?>
+<p:sld xmlns:a="http://schemas.openxmlformats.org/drawingml/2006/main" xmlns:r="http://schemas.openxmlformats.org/officeDocument/2006/relationships" xmlns:p="http://schemas.openxmlformats.org/presentationml/2006/main">
+  <p:cSld>
+    <p:spTree>
+      <p:nvGrpSpPr>
+        <p:cNvPr id="1" name=""/>
+        <p:cNvGrpSpPr/>
+        <p:nvPr/>
+      </p:nvGrpSpPr>
+      <p:grpSpPr>
+        <a:xfrm>
+          <a:off x="0" y="0"/>
+          <a:ext cx="0" cy="0"/>
+          <a:chOff x="0" y="0"/>
+          <a:chExt cx="0" cy="0"/>
+        </a:xfrm>
+      </p:grpSpPr>
+      <p:sp>
+        <p:nvSpPr>
+          <p:cNvPr id="61442" name="TextBox 1">
+            <a:extLst>
+              <a:ext uri="{FF2B5EF4-FFF2-40B4-BE49-F238E27FC236}">
+                <a16:creationId xmlns:a16="http://schemas.microsoft.com/office/drawing/2014/main" id="{CCA4D2A6-DF5B-46CF-AB6A-377136AFF756}"/>
+              </a:ext>
+            </a:extLst>
+          </p:cNvPr>
+          <p:cNvSpPr txBox="1">
+            <a:spLocks noChangeArrowheads="1"/>
+          </p:cNvSpPr>
+          <p:nvPr/>
+        </p:nvSpPr>
+        <p:spPr bwMode="auto">
+          <a:xfrm>
+            <a:off x="721265" y="1098628"/>
+            <a:ext cx="8121651" cy="5016758"/>
+          </a:xfrm>
+          <a:prstGeom prst="rect">
+            <a:avLst/>
+          </a:prstGeom>
+          <a:noFill/>
+          <a:ln>
+            <a:noFill/>
+          </a:ln>
+          <a:extLst>
+            <a:ext uri="{909E8E84-426E-40DD-AFC4-6F175D3DCCD1}">
+              <a14:hiddenFill xmlns:a14="http://schemas.microsoft.com/office/drawing/2010/main">
+                <a:solidFill>
+                  <a:srgbClr val="FFFFFF"/>
+                </a:solidFill>
+              </a14:hiddenFill>
+            </a:ext>
+            <a:ext uri="{91240B29-F687-4F45-9708-019B960494DF}">
+              <a14:hiddenLine xmlns:a14="http://schemas.microsoft.com/office/drawing/2010/main" w="9525">
+                <a:solidFill>
+                  <a:srgbClr val="000000"/>
+                </a:solidFill>
+                <a:miter lim="800000"/>
+                <a:headEnd/>
+                <a:tailEnd/>
+              </a14:hiddenLine>
+            </a:ext>
+          </a:extLst>
+        </p:spPr>
+        <p:txBody>
+          <a:bodyPr wrap="square">
+            <a:spAutoFit/>
+          </a:bodyPr>
+          <a:lstStyle>
+            <a:lvl1pPr>
+              <a:defRPr sz="2000" b="1">
+                <a:solidFill>
+                  <a:schemeClr val="tx1"/>
+                </a:solidFill>
+                <a:latin typeface="Arial" panose="020B0604020202020204" pitchFamily="34" charset="0"/>
+              </a:defRPr>
+            </a:lvl1pPr>
+            <a:lvl2pPr marL="742950" indent="-285750">
+              <a:defRPr sz="2000" b="1">
+                <a:solidFill>
+                  <a:schemeClr val="tx1"/>
+                </a:solidFill>
+                <a:latin typeface="Arial" panose="020B0604020202020204" pitchFamily="34" charset="0"/>
+              </a:defRPr>
+            </a:lvl2pPr>
+            <a:lvl3pPr marL="1143000" indent="-228600">
+              <a:defRPr sz="2000" b="1">
+                <a:solidFill>
+                  <a:schemeClr val="tx1"/>
+                </a:solidFill>
+                <a:latin typeface="Arial" panose="020B0604020202020204" pitchFamily="34" charset="0"/>
+              </a:defRPr>
+            </a:lvl3pPr>
+            <a:lvl4pPr marL="1600200" indent="-228600">
+              <a:defRPr sz="2000" b="1">
+                <a:solidFill>
+                  <a:schemeClr val="tx1"/>
+                </a:solidFill>
+                <a:latin typeface="Arial" panose="020B0604020202020204" pitchFamily="34" charset="0"/>
+              </a:defRPr>
+            </a:lvl4pPr>
+            <a:lvl5pPr marL="2057400" indent="-228600">
+              <a:defRPr sz="2000" b="1">
+                <a:solidFill>
+                  <a:schemeClr val="tx1"/>
+                </a:solidFill>
+                <a:latin typeface="Arial" panose="020B0604020202020204" pitchFamily="34" charset="0"/>
+              </a:defRPr>
+            </a:lvl5pPr>
+            <a:lvl6pPr marL="2514600" indent="-228600" eaLnBrk="0" fontAlgn="base" hangingPunct="0">
+              <a:spcBef>
+                <a:spcPct val="0"/>
+              </a:spcBef>
+              <a:spcAft>
+                <a:spcPct val="0"/>
+              </a:spcAft>
+              <a:defRPr sz="2000" b="1">
+                <a:solidFill>
+                  <a:schemeClr val="tx1"/>
+                </a:solidFill>
+                <a:latin typeface="Arial" panose="020B0604020202020204" pitchFamily="34" charset="0"/>
+              </a:defRPr>
+            </a:lvl6pPr>
+            <a:lvl7pPr marL="2971800" indent="-228600" eaLnBrk="0" fontAlgn="base" hangingPunct="0">
+              <a:spcBef>
+                <a:spcPct val="0"/>
+              </a:spcBef>
+              <a:spcAft>
+                <a:spcPct val="0"/>
+              </a:spcAft>
+              <a:defRPr sz="2000" b="1">
+                <a:solidFill>
+                  <a:schemeClr val="tx1"/>
+                </a:solidFill>
+                <a:latin typeface="Arial" panose="020B0604020202020204" pitchFamily="34" charset="0"/>
+              </a:defRPr>
+            </a:lvl7pPr>
+            <a:lvl8pPr marL="3429000" indent="-228600" eaLnBrk="0" fontAlgn="base" hangingPunct="0">
+              <a:spcBef>
+                <a:spcPct val="0"/>
+              </a:spcBef>
+              <a:spcAft>
+                <a:spcPct val="0"/>
+              </a:spcAft>
+              <a:defRPr sz="2000" b="1">
+                <a:solidFill>
+                  <a:schemeClr val="tx1"/>
+                </a:solidFill>
+                <a:latin typeface="Arial" panose="020B0604020202020204" pitchFamily="34" charset="0"/>
+              </a:defRPr>
+            </a:lvl8pPr>
+            <a:lvl9pPr marL="3886200" indent="-228600" eaLnBrk="0" fontAlgn="base" hangingPunct="0">
+              <a:spcBef>
+                <a:spcPct val="0"/>
+              </a:spcBef>
+              <a:spcAft>
+                <a:spcPct val="0"/>
+              </a:spcAft>
+              <a:defRPr sz="2000" b="1">
+                <a:solidFill>
+                  <a:schemeClr val="tx1"/>
+                </a:solidFill>
+                <a:latin typeface="Arial" panose="020B0604020202020204" pitchFamily="34" charset="0"/>
+              </a:defRPr>
+            </a:lvl9pPr>
+          </a:lstStyle>
+          <a:p>
+            <a:r>
+              <a:rPr lang="zh-CN" altLang="en-US" sz="1600" dirty="0"/>
+              <a:t>打开 </a:t>
+            </a:r>
+            <a:r>
+              <a:rPr lang="en-US" altLang="zh-CN" sz="1600" dirty="0"/>
+              <a:t>git bash </a:t>
+            </a:r>
+            <a:r>
+              <a:rPr lang="zh-CN" altLang="en-US" sz="1600" dirty="0"/>
+              <a:t>或 命令提示符：</a:t>
+            </a:r>
+            <a:endParaRPr lang="en-US" altLang="en-US" sz="1600" dirty="0"/>
+          </a:p>
+          <a:p>
+            <a:endParaRPr lang="zh-CN" altLang="en-US" sz="1600" dirty="0"/>
+          </a:p>
+          <a:p>
+            <a:r>
+              <a:rPr lang="zh-CN" altLang="en-US" sz="1600" u="sng" dirty="0"/>
+              <a:t>怎么获取上课内容：</a:t>
+            </a:r>
+          </a:p>
+          <a:p>
+            <a:r>
+              <a:rPr lang="en-US" altLang="zh-CN" sz="1600" dirty="0"/>
+              <a:t>cd ..</a:t>
+            </a:r>
+          </a:p>
+          <a:p>
+            <a:r>
+              <a:rPr lang="en-US" altLang="zh-CN" sz="1600" dirty="0"/>
+              <a:t>cd ..</a:t>
+            </a:r>
+          </a:p>
+          <a:p>
+            <a:endParaRPr lang="en-US" altLang="zh-CN" sz="1600" dirty="0"/>
+          </a:p>
+          <a:p>
+            <a:r>
+              <a:rPr lang="en-US" altLang="zh-CN" sz="1600" dirty="0"/>
+              <a:t>cd c:/pdm</a:t>
+            </a:r>
+          </a:p>
+          <a:p>
+            <a:r>
+              <a:rPr lang="en-US" altLang="zh-CN" sz="1600" dirty="0"/>
+              <a:t>git pull </a:t>
+            </a:r>
+          </a:p>
+          <a:p>
+            <a:endParaRPr lang="en-US" altLang="zh-CN" sz="1600" dirty="0"/>
+          </a:p>
+          <a:p>
+            <a:r>
+              <a:rPr lang="zh-CN" altLang="en-US" sz="1600" u="sng" dirty="0"/>
+              <a:t>如果有错： </a:t>
+            </a:r>
+          </a:p>
+          <a:p>
+            <a:r>
+              <a:rPr lang="en-US" altLang="zh-CN" sz="1600" dirty="0"/>
+              <a:t>cd ..</a:t>
+            </a:r>
+          </a:p>
+          <a:p>
+            <a:r>
+              <a:rPr lang="en-US" altLang="zh-CN" sz="1600" dirty="0"/>
+              <a:t>cd ..</a:t>
+            </a:r>
+          </a:p>
+          <a:p>
+            <a:r>
+              <a:rPr lang="en-US" altLang="zh-CN" sz="1600" dirty="0"/>
+              <a:t>cd c:/pdm</a:t>
+            </a:r>
+          </a:p>
+          <a:p>
+            <a:r>
+              <a:rPr lang="en-US" altLang="zh-CN" sz="1600" dirty="0"/>
+              <a:t>git stash</a:t>
+            </a:r>
+          </a:p>
+          <a:p>
+            <a:r>
+              <a:rPr lang="en-US" altLang="zh-CN" sz="1600" dirty="0"/>
+              <a:t>git pull </a:t>
+            </a:r>
+          </a:p>
+          <a:p>
+            <a:endParaRPr lang="en-US" altLang="zh-CN" sz="1600" dirty="0"/>
+          </a:p>
+          <a:p>
+            <a:endParaRPr lang="en-US" altLang="zh-CN" sz="1600" dirty="0"/>
+          </a:p>
+          <a:p>
+            <a:r>
+              <a:rPr lang="zh-CN" altLang="en-US" sz="1600" dirty="0"/>
+              <a:t>之后： 打开命令提示符：</a:t>
+            </a:r>
+            <a:endParaRPr lang="en-US" altLang="zh-CN" sz="1600" dirty="0"/>
+          </a:p>
+          <a:p>
+            <a:r>
+              <a:rPr lang="en-US" altLang="zh-CN" sz="1600" dirty="0"/>
+              <a:t>cd c:/pdm</a:t>
+            </a:r>
+          </a:p>
+          <a:p>
+            <a:r>
+              <a:rPr lang="en-US" altLang="zh-CN" sz="1600" dirty="0" err="1"/>
+              <a:t>jupyter</a:t>
+            </a:r>
+            <a:r>
+              <a:rPr lang="en-US" altLang="zh-CN" sz="1600" dirty="0"/>
+              <a:t> lab</a:t>
+            </a:r>
+          </a:p>
+        </p:txBody>
+      </p:sp>
+    </p:spTree>
+    <p:extLst>
+      <p:ext uri="{BB962C8B-B14F-4D97-AF65-F5344CB8AC3E}">
+        <p14:creationId xmlns:p14="http://schemas.microsoft.com/office/powerpoint/2010/main" val="2592306589"/>
+      </p:ext>
+    </p:extLst>
+  </p:cSld>
+  <p:clrMapOvr>
+    <a:masterClrMapping/>
+  </p:clrMapOvr>
+</p:sld>
+</file>
+
 <file path=ppt/slides/slide2.xml><?xml version="1.0" encoding="utf-8"?>
 <p:sld xmlns:a="http://schemas.openxmlformats.org/drawingml/2006/main" xmlns:r="http://schemas.openxmlformats.org/officeDocument/2006/relationships" xmlns:p="http://schemas.openxmlformats.org/presentationml/2006/main">
   <p:cSld>
@@ -9078,36 +9586,6 @@
           </a:graphicData>
         </a:graphic>
       </p:graphicFrame>
-      <p:pic>
-        <p:nvPicPr>
-          <p:cNvPr id="5" name="Picture 4">
-            <a:extLst>
-              <a:ext uri="{FF2B5EF4-FFF2-40B4-BE49-F238E27FC236}">
-                <a16:creationId xmlns:a16="http://schemas.microsoft.com/office/drawing/2014/main" id="{AE124433-840E-9F06-9CD8-55A6FA013281}"/>
-              </a:ext>
-            </a:extLst>
-          </p:cNvPr>
-          <p:cNvPicPr>
-            <a:picLocks noChangeAspect="1"/>
-          </p:cNvPicPr>
-          <p:nvPr/>
-        </p:nvPicPr>
-        <p:blipFill>
-          <a:blip r:embed="rId6"/>
-          <a:stretch>
-            <a:fillRect/>
-          </a:stretch>
-        </p:blipFill>
-        <p:spPr>
-          <a:xfrm>
-            <a:off x="1261600" y="2724051"/>
-            <a:ext cx="6620799" cy="1409897"/>
-          </a:xfrm>
-          <a:prstGeom prst="rect">
-            <a:avLst/>
-          </a:prstGeom>
-        </p:spPr>
-      </p:pic>
     </p:spTree>
     <p:extLst>
       <p:ext uri="{BB962C8B-B14F-4D97-AF65-F5344CB8AC3E}">

--- a/Classes/20221003.pptx
+++ b/Classes/20221003.pptx
@@ -5,10 +5,10 @@
     <p:sldMasterId id="2147483648" r:id="rId1"/>
   </p:sldMasterIdLst>
   <p:notesMasterIdLst>
-    <p:notesMasterId r:id="rId17"/>
+    <p:notesMasterId r:id="rId14"/>
   </p:notesMasterIdLst>
   <p:handoutMasterIdLst>
-    <p:handoutMasterId r:id="rId18"/>
+    <p:handoutMasterId r:id="rId15"/>
   </p:handoutMasterIdLst>
   <p:sldIdLst>
     <p:sldId id="1801" r:id="rId2"/>
@@ -17,15 +17,12 @@
     <p:sldId id="1803" r:id="rId5"/>
     <p:sldId id="1725" r:id="rId6"/>
     <p:sldId id="1760" r:id="rId7"/>
-    <p:sldId id="1777" r:id="rId8"/>
-    <p:sldId id="1775" r:id="rId9"/>
-    <p:sldId id="1797" r:id="rId10"/>
-    <p:sldId id="1804" r:id="rId11"/>
-    <p:sldId id="1800" r:id="rId12"/>
-    <p:sldId id="1799" r:id="rId13"/>
-    <p:sldId id="1780" r:id="rId14"/>
-    <p:sldId id="1802" r:id="rId15"/>
-    <p:sldId id="1806" r:id="rId16"/>
+    <p:sldId id="1775" r:id="rId8"/>
+    <p:sldId id="1797" r:id="rId9"/>
+    <p:sldId id="1804" r:id="rId10"/>
+    <p:sldId id="1780" r:id="rId11"/>
+    <p:sldId id="1802" r:id="rId12"/>
+    <p:sldId id="1806" r:id="rId13"/>
   </p:sldIdLst>
   <p:sldSz cx="9144000" cy="6858000" type="screen4x3"/>
   <p:notesSz cx="6918325" cy="9204325"/>
@@ -1382,7 +1379,7 @@
     </p:spTree>
     <p:extLst>
       <p:ext uri="{BB962C8B-B14F-4D97-AF65-F5344CB8AC3E}">
-        <p14:creationId xmlns:p14="http://schemas.microsoft.com/office/powerpoint/2010/main" val="3161960891"/>
+        <p14:creationId xmlns:p14="http://schemas.microsoft.com/office/powerpoint/2010/main" val="2226220825"/>
       </p:ext>
     </p:extLst>
   </p:cSld>
@@ -1581,7 +1578,7 @@
             <a:fld id="{BC692357-ED53-4B4C-AA76-0BACF0897969}" type="slidenum">
               <a:rPr lang="en-US" altLang="en-US" sz="1200" b="0" smtClean="0"/>
               <a:pPr/>
-              <a:t>8</a:t>
+              <a:t>10</a:t>
             </a:fld>
             <a:endParaRPr lang="en-US" altLang="en-US" sz="1200" b="0"/>
           </a:p>
@@ -1590,7 +1587,7 @@
     </p:spTree>
     <p:extLst>
       <p:ext uri="{BB962C8B-B14F-4D97-AF65-F5344CB8AC3E}">
-        <p14:creationId xmlns:p14="http://schemas.microsoft.com/office/powerpoint/2010/main" val="2226220825"/>
+        <p14:creationId xmlns:p14="http://schemas.microsoft.com/office/powerpoint/2010/main" val="1190912016"/>
       </p:ext>
     </p:extLst>
   </p:cSld>
@@ -1798,7 +1795,7 @@
     </p:spTree>
     <p:extLst>
       <p:ext uri="{BB962C8B-B14F-4D97-AF65-F5344CB8AC3E}">
-        <p14:creationId xmlns:p14="http://schemas.microsoft.com/office/powerpoint/2010/main" val="487703512"/>
+        <p14:creationId xmlns:p14="http://schemas.microsoft.com/office/powerpoint/2010/main" val="708745062"/>
       </p:ext>
     </p:extLst>
   </p:cSld>
@@ -1997,423 +1994,7 @@
             <a:fld id="{BC692357-ED53-4B4C-AA76-0BACF0897969}" type="slidenum">
               <a:rPr lang="en-US" altLang="en-US" sz="1200" b="0" smtClean="0"/>
               <a:pPr/>
-              <a:t>13</a:t>
-            </a:fld>
-            <a:endParaRPr lang="en-US" altLang="en-US" sz="1200" b="0"/>
-          </a:p>
-        </p:txBody>
-      </p:sp>
-    </p:spTree>
-    <p:extLst>
-      <p:ext uri="{BB962C8B-B14F-4D97-AF65-F5344CB8AC3E}">
-        <p14:creationId xmlns:p14="http://schemas.microsoft.com/office/powerpoint/2010/main" val="1190912016"/>
-      </p:ext>
-    </p:extLst>
-  </p:cSld>
-  <p:clrMapOvr>
-    <a:masterClrMapping/>
-  </p:clrMapOvr>
-</p:notes>
-</file>
-
-<file path=ppt/notesSlides/notesSlide5.xml><?xml version="1.0" encoding="utf-8"?>
-<p:notes xmlns:a="http://schemas.openxmlformats.org/drawingml/2006/main" xmlns:r="http://schemas.openxmlformats.org/officeDocument/2006/relationships" xmlns:p="http://schemas.openxmlformats.org/presentationml/2006/main">
-  <p:cSld>
-    <p:spTree>
-      <p:nvGrpSpPr>
-        <p:cNvPr id="1" name=""/>
-        <p:cNvGrpSpPr/>
-        <p:nvPr/>
-      </p:nvGrpSpPr>
-      <p:grpSpPr>
-        <a:xfrm>
-          <a:off x="0" y="0"/>
-          <a:ext cx="0" cy="0"/>
-          <a:chOff x="0" y="0"/>
-          <a:chExt cx="0" cy="0"/>
-        </a:xfrm>
-      </p:grpSpPr>
-      <p:sp>
-        <p:nvSpPr>
-          <p:cNvPr id="106498" name="Slide Image Placeholder 1">
-            <a:extLst>
-              <a:ext uri="{FF2B5EF4-FFF2-40B4-BE49-F238E27FC236}">
-                <a16:creationId xmlns:a16="http://schemas.microsoft.com/office/drawing/2014/main" id="{A9E893DF-A47F-4D58-AE48-443164D96B04}"/>
-              </a:ext>
-            </a:extLst>
-          </p:cNvPr>
-          <p:cNvSpPr>
-            <a:spLocks noGrp="1" noRot="1" noChangeAspect="1" noTextEdit="1"/>
-          </p:cNvSpPr>
-          <p:nvPr>
-            <p:ph type="sldImg"/>
-          </p:nvPr>
-        </p:nvSpPr>
-        <p:spPr>
-          <a:ln/>
-        </p:spPr>
-      </p:sp>
-      <p:sp>
-        <p:nvSpPr>
-          <p:cNvPr id="62467" name="Notes Placeholder 2">
-            <a:extLst>
-              <a:ext uri="{FF2B5EF4-FFF2-40B4-BE49-F238E27FC236}">
-                <a16:creationId xmlns:a16="http://schemas.microsoft.com/office/drawing/2014/main" id="{4C269B97-F3AD-4E3C-BFCD-9C7401D9E02D}"/>
-              </a:ext>
-            </a:extLst>
-          </p:cNvPr>
-          <p:cNvSpPr>
-            <a:spLocks noGrp="1" noChangeArrowheads="1"/>
-          </p:cNvSpPr>
-          <p:nvPr>
-            <p:ph type="body" idx="1"/>
-          </p:nvPr>
-        </p:nvSpPr>
-        <p:spPr>
-          <a:noFill/>
-        </p:spPr>
-        <p:txBody>
-          <a:bodyPr/>
-          <a:lstStyle/>
-          <a:p>
-            <a:endParaRPr lang="en-US" altLang="en-US">
-              <a:latin typeface="Arial" panose="020B0604020202020204" pitchFamily="34" charset="0"/>
-            </a:endParaRPr>
-          </a:p>
-        </p:txBody>
-      </p:sp>
-      <p:sp>
-        <p:nvSpPr>
-          <p:cNvPr id="62468" name="Slide Number Placeholder 3">
-            <a:extLst>
-              <a:ext uri="{FF2B5EF4-FFF2-40B4-BE49-F238E27FC236}">
-                <a16:creationId xmlns:a16="http://schemas.microsoft.com/office/drawing/2014/main" id="{7025833E-DAE3-4046-A26D-FA7F5CDEDDE0}"/>
-              </a:ext>
-            </a:extLst>
-          </p:cNvPr>
-          <p:cNvSpPr>
-            <a:spLocks noGrp="1"/>
-          </p:cNvSpPr>
-          <p:nvPr>
-            <p:ph type="sldNum" sz="quarter" idx="5"/>
-          </p:nvPr>
-        </p:nvSpPr>
-        <p:spPr>
-          <a:noFill/>
-        </p:spPr>
-        <p:txBody>
-          <a:bodyPr/>
-          <a:lstStyle>
-            <a:lvl1pPr defTabSz="920750">
-              <a:defRPr sz="2000" b="1">
-                <a:solidFill>
-                  <a:schemeClr val="tx1"/>
-                </a:solidFill>
-                <a:latin typeface="Arial" panose="020B0604020202020204" pitchFamily="34" charset="0"/>
-              </a:defRPr>
-            </a:lvl1pPr>
-            <a:lvl2pPr marL="742950" indent="-285750" defTabSz="920750">
-              <a:defRPr sz="2000" b="1">
-                <a:solidFill>
-                  <a:schemeClr val="tx1"/>
-                </a:solidFill>
-                <a:latin typeface="Arial" panose="020B0604020202020204" pitchFamily="34" charset="0"/>
-              </a:defRPr>
-            </a:lvl2pPr>
-            <a:lvl3pPr marL="1143000" indent="-228600" defTabSz="920750">
-              <a:defRPr sz="2000" b="1">
-                <a:solidFill>
-                  <a:schemeClr val="tx1"/>
-                </a:solidFill>
-                <a:latin typeface="Arial" panose="020B0604020202020204" pitchFamily="34" charset="0"/>
-              </a:defRPr>
-            </a:lvl3pPr>
-            <a:lvl4pPr marL="1600200" indent="-228600" defTabSz="920750">
-              <a:defRPr sz="2000" b="1">
-                <a:solidFill>
-                  <a:schemeClr val="tx1"/>
-                </a:solidFill>
-                <a:latin typeface="Arial" panose="020B0604020202020204" pitchFamily="34" charset="0"/>
-              </a:defRPr>
-            </a:lvl4pPr>
-            <a:lvl5pPr marL="2057400" indent="-228600" defTabSz="920750">
-              <a:defRPr sz="2000" b="1">
-                <a:solidFill>
-                  <a:schemeClr val="tx1"/>
-                </a:solidFill>
-                <a:latin typeface="Arial" panose="020B0604020202020204" pitchFamily="34" charset="0"/>
-              </a:defRPr>
-            </a:lvl5pPr>
-            <a:lvl6pPr marL="2514600" indent="-228600" defTabSz="920750" eaLnBrk="0" fontAlgn="base" hangingPunct="0">
-              <a:spcBef>
-                <a:spcPct val="0"/>
-              </a:spcBef>
-              <a:spcAft>
-                <a:spcPct val="0"/>
-              </a:spcAft>
-              <a:defRPr sz="2000" b="1">
-                <a:solidFill>
-                  <a:schemeClr val="tx1"/>
-                </a:solidFill>
-                <a:latin typeface="Arial" panose="020B0604020202020204" pitchFamily="34" charset="0"/>
-              </a:defRPr>
-            </a:lvl6pPr>
-            <a:lvl7pPr marL="2971800" indent="-228600" defTabSz="920750" eaLnBrk="0" fontAlgn="base" hangingPunct="0">
-              <a:spcBef>
-                <a:spcPct val="0"/>
-              </a:spcBef>
-              <a:spcAft>
-                <a:spcPct val="0"/>
-              </a:spcAft>
-              <a:defRPr sz="2000" b="1">
-                <a:solidFill>
-                  <a:schemeClr val="tx1"/>
-                </a:solidFill>
-                <a:latin typeface="Arial" panose="020B0604020202020204" pitchFamily="34" charset="0"/>
-              </a:defRPr>
-            </a:lvl7pPr>
-            <a:lvl8pPr marL="3429000" indent="-228600" defTabSz="920750" eaLnBrk="0" fontAlgn="base" hangingPunct="0">
-              <a:spcBef>
-                <a:spcPct val="0"/>
-              </a:spcBef>
-              <a:spcAft>
-                <a:spcPct val="0"/>
-              </a:spcAft>
-              <a:defRPr sz="2000" b="1">
-                <a:solidFill>
-                  <a:schemeClr val="tx1"/>
-                </a:solidFill>
-                <a:latin typeface="Arial" panose="020B0604020202020204" pitchFamily="34" charset="0"/>
-              </a:defRPr>
-            </a:lvl8pPr>
-            <a:lvl9pPr marL="3886200" indent="-228600" defTabSz="920750" eaLnBrk="0" fontAlgn="base" hangingPunct="0">
-              <a:spcBef>
-                <a:spcPct val="0"/>
-              </a:spcBef>
-              <a:spcAft>
-                <a:spcPct val="0"/>
-              </a:spcAft>
-              <a:defRPr sz="2000" b="1">
-                <a:solidFill>
-                  <a:schemeClr val="tx1"/>
-                </a:solidFill>
-                <a:latin typeface="Arial" panose="020B0604020202020204" pitchFamily="34" charset="0"/>
-              </a:defRPr>
-            </a:lvl9pPr>
-          </a:lstStyle>
-          <a:p>
-            <a:fld id="{BC692357-ED53-4B4C-AA76-0BACF0897969}" type="slidenum">
-              <a:rPr lang="en-US" altLang="en-US" sz="1200" b="0" smtClean="0"/>
-              <a:pPr/>
-              <a:t>14</a:t>
-            </a:fld>
-            <a:endParaRPr lang="en-US" altLang="en-US" sz="1200" b="0"/>
-          </a:p>
-        </p:txBody>
-      </p:sp>
-    </p:spTree>
-    <p:extLst>
-      <p:ext uri="{BB962C8B-B14F-4D97-AF65-F5344CB8AC3E}">
-        <p14:creationId xmlns:p14="http://schemas.microsoft.com/office/powerpoint/2010/main" val="708745062"/>
-      </p:ext>
-    </p:extLst>
-  </p:cSld>
-  <p:clrMapOvr>
-    <a:masterClrMapping/>
-  </p:clrMapOvr>
-</p:notes>
-</file>
-
-<file path=ppt/notesSlides/notesSlide6.xml><?xml version="1.0" encoding="utf-8"?>
-<p:notes xmlns:a="http://schemas.openxmlformats.org/drawingml/2006/main" xmlns:r="http://schemas.openxmlformats.org/officeDocument/2006/relationships" xmlns:p="http://schemas.openxmlformats.org/presentationml/2006/main">
-  <p:cSld>
-    <p:spTree>
-      <p:nvGrpSpPr>
-        <p:cNvPr id="1" name=""/>
-        <p:cNvGrpSpPr/>
-        <p:nvPr/>
-      </p:nvGrpSpPr>
-      <p:grpSpPr>
-        <a:xfrm>
-          <a:off x="0" y="0"/>
-          <a:ext cx="0" cy="0"/>
-          <a:chOff x="0" y="0"/>
-          <a:chExt cx="0" cy="0"/>
-        </a:xfrm>
-      </p:grpSpPr>
-      <p:sp>
-        <p:nvSpPr>
-          <p:cNvPr id="106498" name="Slide Image Placeholder 1">
-            <a:extLst>
-              <a:ext uri="{FF2B5EF4-FFF2-40B4-BE49-F238E27FC236}">
-                <a16:creationId xmlns:a16="http://schemas.microsoft.com/office/drawing/2014/main" id="{A9E893DF-A47F-4D58-AE48-443164D96B04}"/>
-              </a:ext>
-            </a:extLst>
-          </p:cNvPr>
-          <p:cNvSpPr>
-            <a:spLocks noGrp="1" noRot="1" noChangeAspect="1" noTextEdit="1"/>
-          </p:cNvSpPr>
-          <p:nvPr>
-            <p:ph type="sldImg"/>
-          </p:nvPr>
-        </p:nvSpPr>
-        <p:spPr>
-          <a:ln/>
-        </p:spPr>
-      </p:sp>
-      <p:sp>
-        <p:nvSpPr>
-          <p:cNvPr id="62467" name="Notes Placeholder 2">
-            <a:extLst>
-              <a:ext uri="{FF2B5EF4-FFF2-40B4-BE49-F238E27FC236}">
-                <a16:creationId xmlns:a16="http://schemas.microsoft.com/office/drawing/2014/main" id="{4C269B97-F3AD-4E3C-BFCD-9C7401D9E02D}"/>
-              </a:ext>
-            </a:extLst>
-          </p:cNvPr>
-          <p:cNvSpPr>
-            <a:spLocks noGrp="1" noChangeArrowheads="1"/>
-          </p:cNvSpPr>
-          <p:nvPr>
-            <p:ph type="body" idx="1"/>
-          </p:nvPr>
-        </p:nvSpPr>
-        <p:spPr>
-          <a:noFill/>
-        </p:spPr>
-        <p:txBody>
-          <a:bodyPr/>
-          <a:lstStyle/>
-          <a:p>
-            <a:endParaRPr lang="en-US" altLang="en-US">
-              <a:latin typeface="Arial" panose="020B0604020202020204" pitchFamily="34" charset="0"/>
-            </a:endParaRPr>
-          </a:p>
-        </p:txBody>
-      </p:sp>
-      <p:sp>
-        <p:nvSpPr>
-          <p:cNvPr id="62468" name="Slide Number Placeholder 3">
-            <a:extLst>
-              <a:ext uri="{FF2B5EF4-FFF2-40B4-BE49-F238E27FC236}">
-                <a16:creationId xmlns:a16="http://schemas.microsoft.com/office/drawing/2014/main" id="{7025833E-DAE3-4046-A26D-FA7F5CDEDDE0}"/>
-              </a:ext>
-            </a:extLst>
-          </p:cNvPr>
-          <p:cNvSpPr>
-            <a:spLocks noGrp="1"/>
-          </p:cNvSpPr>
-          <p:nvPr>
-            <p:ph type="sldNum" sz="quarter" idx="5"/>
-          </p:nvPr>
-        </p:nvSpPr>
-        <p:spPr>
-          <a:noFill/>
-        </p:spPr>
-        <p:txBody>
-          <a:bodyPr/>
-          <a:lstStyle>
-            <a:lvl1pPr defTabSz="920750">
-              <a:defRPr sz="2000" b="1">
-                <a:solidFill>
-                  <a:schemeClr val="tx1"/>
-                </a:solidFill>
-                <a:latin typeface="Arial" panose="020B0604020202020204" pitchFamily="34" charset="0"/>
-              </a:defRPr>
-            </a:lvl1pPr>
-            <a:lvl2pPr marL="742950" indent="-285750" defTabSz="920750">
-              <a:defRPr sz="2000" b="1">
-                <a:solidFill>
-                  <a:schemeClr val="tx1"/>
-                </a:solidFill>
-                <a:latin typeface="Arial" panose="020B0604020202020204" pitchFamily="34" charset="0"/>
-              </a:defRPr>
-            </a:lvl2pPr>
-            <a:lvl3pPr marL="1143000" indent="-228600" defTabSz="920750">
-              <a:defRPr sz="2000" b="1">
-                <a:solidFill>
-                  <a:schemeClr val="tx1"/>
-                </a:solidFill>
-                <a:latin typeface="Arial" panose="020B0604020202020204" pitchFamily="34" charset="0"/>
-              </a:defRPr>
-            </a:lvl3pPr>
-            <a:lvl4pPr marL="1600200" indent="-228600" defTabSz="920750">
-              <a:defRPr sz="2000" b="1">
-                <a:solidFill>
-                  <a:schemeClr val="tx1"/>
-                </a:solidFill>
-                <a:latin typeface="Arial" panose="020B0604020202020204" pitchFamily="34" charset="0"/>
-              </a:defRPr>
-            </a:lvl4pPr>
-            <a:lvl5pPr marL="2057400" indent="-228600" defTabSz="920750">
-              <a:defRPr sz="2000" b="1">
-                <a:solidFill>
-                  <a:schemeClr val="tx1"/>
-                </a:solidFill>
-                <a:latin typeface="Arial" panose="020B0604020202020204" pitchFamily="34" charset="0"/>
-              </a:defRPr>
-            </a:lvl5pPr>
-            <a:lvl6pPr marL="2514600" indent="-228600" defTabSz="920750" eaLnBrk="0" fontAlgn="base" hangingPunct="0">
-              <a:spcBef>
-                <a:spcPct val="0"/>
-              </a:spcBef>
-              <a:spcAft>
-                <a:spcPct val="0"/>
-              </a:spcAft>
-              <a:defRPr sz="2000" b="1">
-                <a:solidFill>
-                  <a:schemeClr val="tx1"/>
-                </a:solidFill>
-                <a:latin typeface="Arial" panose="020B0604020202020204" pitchFamily="34" charset="0"/>
-              </a:defRPr>
-            </a:lvl6pPr>
-            <a:lvl7pPr marL="2971800" indent="-228600" defTabSz="920750" eaLnBrk="0" fontAlgn="base" hangingPunct="0">
-              <a:spcBef>
-                <a:spcPct val="0"/>
-              </a:spcBef>
-              <a:spcAft>
-                <a:spcPct val="0"/>
-              </a:spcAft>
-              <a:defRPr sz="2000" b="1">
-                <a:solidFill>
-                  <a:schemeClr val="tx1"/>
-                </a:solidFill>
-                <a:latin typeface="Arial" panose="020B0604020202020204" pitchFamily="34" charset="0"/>
-              </a:defRPr>
-            </a:lvl7pPr>
-            <a:lvl8pPr marL="3429000" indent="-228600" defTabSz="920750" eaLnBrk="0" fontAlgn="base" hangingPunct="0">
-              <a:spcBef>
-                <a:spcPct val="0"/>
-              </a:spcBef>
-              <a:spcAft>
-                <a:spcPct val="0"/>
-              </a:spcAft>
-              <a:defRPr sz="2000" b="1">
-                <a:solidFill>
-                  <a:schemeClr val="tx1"/>
-                </a:solidFill>
-                <a:latin typeface="Arial" panose="020B0604020202020204" pitchFamily="34" charset="0"/>
-              </a:defRPr>
-            </a:lvl8pPr>
-            <a:lvl9pPr marL="3886200" indent="-228600" defTabSz="920750" eaLnBrk="0" fontAlgn="base" hangingPunct="0">
-              <a:spcBef>
-                <a:spcPct val="0"/>
-              </a:spcBef>
-              <a:spcAft>
-                <a:spcPct val="0"/>
-              </a:spcAft>
-              <a:defRPr sz="2000" b="1">
-                <a:solidFill>
-                  <a:schemeClr val="tx1"/>
-                </a:solidFill>
-                <a:latin typeface="Arial" panose="020B0604020202020204" pitchFamily="34" charset="0"/>
-              </a:defRPr>
-            </a:lvl9pPr>
-          </a:lstStyle>
-          <a:p>
-            <a:fld id="{BC692357-ED53-4B4C-AA76-0BACF0897969}" type="slidenum">
-              <a:rPr lang="en-US" altLang="en-US" sz="1200" b="0" smtClean="0"/>
-              <a:pPr/>
-              <a:t>15</a:t>
+              <a:t>12</a:t>
             </a:fld>
             <a:endParaRPr lang="en-US" altLang="en-US" sz="1200" b="0"/>
           </a:p>
@@ -5478,1162 +5059,6 @@
       </p:grpSpPr>
       <p:sp>
         <p:nvSpPr>
-          <p:cNvPr id="3" name="TextBox 2">
-            <a:extLst>
-              <a:ext uri="{FF2B5EF4-FFF2-40B4-BE49-F238E27FC236}">
-                <a16:creationId xmlns:a16="http://schemas.microsoft.com/office/drawing/2014/main" id="{AF8FC9BB-9DB2-095C-1565-78DB9BCA5227}"/>
-              </a:ext>
-            </a:extLst>
-          </p:cNvPr>
-          <p:cNvSpPr txBox="1"/>
-          <p:nvPr/>
-        </p:nvSpPr>
-        <p:spPr>
-          <a:xfrm>
-            <a:off x="7165428" y="857250"/>
-            <a:ext cx="1978573" cy="323165"/>
-          </a:xfrm>
-          <a:prstGeom prst="rect">
-            <a:avLst/>
-          </a:prstGeom>
-          <a:noFill/>
-        </p:spPr>
-        <p:txBody>
-          <a:bodyPr wrap="square" rtlCol="0">
-            <a:spAutoFit/>
-          </a:bodyPr>
-          <a:lstStyle/>
-          <a:p>
-            <a:pPr algn="r"/>
-            <a:r>
-              <a:rPr lang="en-US" altLang="zh-CN" sz="1500" dirty="0">
-                <a:solidFill>
-                  <a:schemeClr val="bg1">
-                    <a:lumMod val="85000"/>
-                  </a:schemeClr>
-                </a:solidFill>
-              </a:rPr>
-              <a:t>AAFIE, 2022</a:t>
-            </a:r>
-            <a:endParaRPr lang="en-US" sz="1500" dirty="0">
-              <a:solidFill>
-                <a:schemeClr val="bg1">
-                  <a:lumMod val="85000"/>
-                </a:schemeClr>
-              </a:solidFill>
-            </a:endParaRPr>
-          </a:p>
-        </p:txBody>
-      </p:sp>
-      <p:sp>
-        <p:nvSpPr>
-          <p:cNvPr id="10" name="Rectangle 9">
-            <a:extLst>
-              <a:ext uri="{FF2B5EF4-FFF2-40B4-BE49-F238E27FC236}">
-                <a16:creationId xmlns:a16="http://schemas.microsoft.com/office/drawing/2014/main" id="{1510A9D2-9B0F-CE65-A9E9-831F782E8464}"/>
-              </a:ext>
-            </a:extLst>
-          </p:cNvPr>
-          <p:cNvSpPr/>
-          <p:nvPr/>
-        </p:nvSpPr>
-        <p:spPr>
-          <a:xfrm>
-            <a:off x="635619" y="247842"/>
-            <a:ext cx="8601879" cy="523220"/>
-          </a:xfrm>
-          <a:prstGeom prst="rect">
-            <a:avLst/>
-          </a:prstGeom>
-        </p:spPr>
-        <p:txBody>
-          <a:bodyPr wrap="square">
-            <a:spAutoFit/>
-          </a:bodyPr>
-          <a:lstStyle/>
-          <a:p>
-            <a:r>
-              <a:rPr lang="en-US" altLang="zh-CN" sz="2800" dirty="0"/>
-              <a:t>In-class project introduction </a:t>
-            </a:r>
-            <a:r>
-              <a:rPr lang="zh-CN" altLang="en-US" sz="2800" dirty="0"/>
-              <a:t>课堂项目介绍</a:t>
-            </a:r>
-            <a:endParaRPr lang="en-US" sz="3600" dirty="0">
-              <a:latin typeface="+mn-lt"/>
-            </a:endParaRPr>
-          </a:p>
-        </p:txBody>
-      </p:sp>
-      <p:sp>
-        <p:nvSpPr>
-          <p:cNvPr id="6" name="TextBox 5">
-            <a:extLst>
-              <a:ext uri="{FF2B5EF4-FFF2-40B4-BE49-F238E27FC236}">
-                <a16:creationId xmlns:a16="http://schemas.microsoft.com/office/drawing/2014/main" id="{23EB4840-530F-8777-5214-45EA32B6695E}"/>
-              </a:ext>
-            </a:extLst>
-          </p:cNvPr>
-          <p:cNvSpPr txBox="1"/>
-          <p:nvPr/>
-        </p:nvSpPr>
-        <p:spPr>
-          <a:xfrm>
-            <a:off x="390329" y="980360"/>
-            <a:ext cx="8601879" cy="400110"/>
-          </a:xfrm>
-          <a:prstGeom prst="rect">
-            <a:avLst/>
-          </a:prstGeom>
-          <a:noFill/>
-        </p:spPr>
-        <p:txBody>
-          <a:bodyPr wrap="square">
-            <a:spAutoFit/>
-          </a:bodyPr>
-          <a:lstStyle/>
-          <a:p>
-            <a:r>
-              <a:rPr lang="en-US" b="1" i="0" dirty="0">
-                <a:solidFill>
-                  <a:srgbClr val="202124"/>
-                </a:solidFill>
-                <a:effectLst/>
-                <a:latin typeface="Roboto" panose="02000000000000000000" pitchFamily="2" charset="0"/>
-              </a:rPr>
-              <a:t>Datasets / </a:t>
-            </a:r>
-            <a:r>
-              <a:rPr lang="zh-CN" altLang="en-US" b="1" i="0" dirty="0">
-                <a:solidFill>
-                  <a:srgbClr val="202124"/>
-                </a:solidFill>
-                <a:effectLst/>
-                <a:latin typeface="Roboto" panose="02000000000000000000" pitchFamily="2" charset="0"/>
-              </a:rPr>
-              <a:t>数据包</a:t>
-            </a:r>
-            <a:endParaRPr lang="en-US" b="1" i="0" dirty="0">
-              <a:solidFill>
-                <a:srgbClr val="202124"/>
-              </a:solidFill>
-              <a:effectLst/>
-              <a:latin typeface="Roboto" panose="02000000000000000000" pitchFamily="2" charset="0"/>
-            </a:endParaRPr>
-          </a:p>
-        </p:txBody>
-      </p:sp>
-      <p:sp>
-        <p:nvSpPr>
-          <p:cNvPr id="2" name="TextBox 1">
-            <a:extLst>
-              <a:ext uri="{FF2B5EF4-FFF2-40B4-BE49-F238E27FC236}">
-                <a16:creationId xmlns:a16="http://schemas.microsoft.com/office/drawing/2014/main" id="{EE2703F0-BDCC-8697-26AF-3BF6F6F6A1CA}"/>
-              </a:ext>
-            </a:extLst>
-          </p:cNvPr>
-          <p:cNvSpPr txBox="1"/>
-          <p:nvPr/>
-        </p:nvSpPr>
-        <p:spPr>
-          <a:xfrm>
-            <a:off x="256478" y="1628078"/>
-            <a:ext cx="8578487" cy="400110"/>
-          </a:xfrm>
-          <a:prstGeom prst="rect">
-            <a:avLst/>
-          </a:prstGeom>
-          <a:noFill/>
-        </p:spPr>
-        <p:txBody>
-          <a:bodyPr wrap="square" rtlCol="0">
-            <a:spAutoFit/>
-          </a:bodyPr>
-          <a:lstStyle/>
-          <a:p>
-            <a:r>
-              <a:rPr lang="zh-CN" altLang="en-US" dirty="0"/>
-              <a:t>（</a:t>
-            </a:r>
-            <a:r>
-              <a:rPr lang="en-US" altLang="zh-CN" dirty="0"/>
-              <a:t>for classification / </a:t>
-            </a:r>
-            <a:r>
-              <a:rPr lang="zh-CN" altLang="en-US" dirty="0"/>
-              <a:t>分类）</a:t>
-            </a:r>
-            <a:endParaRPr lang="en-US" dirty="0"/>
-          </a:p>
-        </p:txBody>
-      </p:sp>
-      <p:graphicFrame>
-        <p:nvGraphicFramePr>
-          <p:cNvPr id="9" name="Object 8">
-            <a:extLst>
-              <a:ext uri="{FF2B5EF4-FFF2-40B4-BE49-F238E27FC236}">
-                <a16:creationId xmlns:a16="http://schemas.microsoft.com/office/drawing/2014/main" id="{5AF70B8A-7203-3873-26BC-7AAB1AE2A8B0}"/>
-              </a:ext>
-            </a:extLst>
-          </p:cNvPr>
-          <p:cNvGraphicFramePr>
-            <a:graphicFrameLocks noChangeAspect="1"/>
-          </p:cNvGraphicFramePr>
-          <p:nvPr>
-            <p:extLst>
-              <p:ext uri="{D42A27DB-BD31-4B8C-83A1-F6EECF244321}">
-                <p14:modId xmlns:p14="http://schemas.microsoft.com/office/powerpoint/2010/main" val="2035545235"/>
-              </p:ext>
-            </p:extLst>
-          </p:nvPr>
-        </p:nvGraphicFramePr>
-        <p:xfrm>
-          <a:off x="925551" y="2257425"/>
-          <a:ext cx="7757985" cy="1656653"/>
-        </p:xfrm>
-        <a:graphic>
-          <a:graphicData uri="http://schemas.openxmlformats.org/presentationml/2006/ole">
-            <mc:AlternateContent xmlns:mc="http://schemas.openxmlformats.org/markup-compatibility/2006">
-              <mc:Choice xmlns:v="urn:schemas-microsoft-com:vml" Requires="v">
-                <p:oleObj name="Worksheet" r:id="rId2" imgW="5486400" imgH="1171474" progId="Excel.Sheet.12">
-                  <p:embed/>
-                </p:oleObj>
-              </mc:Choice>
-              <mc:Fallback>
-                <p:oleObj name="Worksheet" r:id="rId2" imgW="5486400" imgH="1171474" progId="Excel.Sheet.12">
-                  <p:embed/>
-                  <p:pic>
-                    <p:nvPicPr>
-                      <p:cNvPr id="0" name=""/>
-                      <p:cNvPicPr/>
-                      <p:nvPr/>
-                    </p:nvPicPr>
-                    <p:blipFill>
-                      <a:blip r:embed="rId3"/>
-                      <a:stretch>
-                        <a:fillRect/>
-                      </a:stretch>
-                    </p:blipFill>
-                    <p:spPr>
-                      <a:xfrm>
-                        <a:off x="925551" y="2257425"/>
-                        <a:ext cx="7757985" cy="1656653"/>
-                      </a:xfrm>
-                      <a:prstGeom prst="rect">
-                        <a:avLst/>
-                      </a:prstGeom>
-                    </p:spPr>
-                  </p:pic>
-                </p:oleObj>
-              </mc:Fallback>
-            </mc:AlternateContent>
-          </a:graphicData>
-        </a:graphic>
-      </p:graphicFrame>
-    </p:spTree>
-    <p:extLst>
-      <p:ext uri="{BB962C8B-B14F-4D97-AF65-F5344CB8AC3E}">
-        <p14:creationId xmlns:p14="http://schemas.microsoft.com/office/powerpoint/2010/main" val="1946204435"/>
-      </p:ext>
-    </p:extLst>
-  </p:cSld>
-  <p:clrMapOvr>
-    <a:masterClrMapping/>
-  </p:clrMapOvr>
-</p:sld>
-</file>
-
-<file path=ppt/slides/slide11.xml><?xml version="1.0" encoding="utf-8"?>
-<p:sld xmlns:a="http://schemas.openxmlformats.org/drawingml/2006/main" xmlns:r="http://schemas.openxmlformats.org/officeDocument/2006/relationships" xmlns:p="http://schemas.openxmlformats.org/presentationml/2006/main">
-  <p:cSld>
-    <p:spTree>
-      <p:nvGrpSpPr>
-        <p:cNvPr id="1" name=""/>
-        <p:cNvGrpSpPr/>
-        <p:nvPr/>
-      </p:nvGrpSpPr>
-      <p:grpSpPr>
-        <a:xfrm>
-          <a:off x="0" y="0"/>
-          <a:ext cx="0" cy="0"/>
-          <a:chOff x="0" y="0"/>
-          <a:chExt cx="0" cy="0"/>
-        </a:xfrm>
-      </p:grpSpPr>
-      <p:sp>
-        <p:nvSpPr>
-          <p:cNvPr id="2" name="Rectangle 1">
-            <a:extLst>
-              <a:ext uri="{FF2B5EF4-FFF2-40B4-BE49-F238E27FC236}">
-                <a16:creationId xmlns:a16="http://schemas.microsoft.com/office/drawing/2014/main" id="{993C83E1-2D59-AEB1-B857-08F68F057438}"/>
-              </a:ext>
-            </a:extLst>
-          </p:cNvPr>
-          <p:cNvSpPr/>
-          <p:nvPr/>
-        </p:nvSpPr>
-        <p:spPr>
-          <a:xfrm>
-            <a:off x="635619" y="247842"/>
-            <a:ext cx="8601879" cy="523220"/>
-          </a:xfrm>
-          <a:prstGeom prst="rect">
-            <a:avLst/>
-          </a:prstGeom>
-        </p:spPr>
-        <p:txBody>
-          <a:bodyPr wrap="square">
-            <a:spAutoFit/>
-          </a:bodyPr>
-          <a:lstStyle/>
-          <a:p>
-            <a:r>
-              <a:rPr lang="en-US" altLang="zh-CN" sz="2800" dirty="0"/>
-              <a:t>General ML  ML/AI Project Full Cycle </a:t>
-            </a:r>
-            <a:r>
-              <a:rPr lang="zh-CN" altLang="en-US" sz="2800" dirty="0"/>
-              <a:t>流程</a:t>
-            </a:r>
-            <a:endParaRPr lang="en-US" sz="3600" dirty="0">
-              <a:latin typeface="+mn-lt"/>
-            </a:endParaRPr>
-          </a:p>
-        </p:txBody>
-      </p:sp>
-      <p:pic>
-        <p:nvPicPr>
-          <p:cNvPr id="4" name="Picture 3">
-            <a:extLst>
-              <a:ext uri="{FF2B5EF4-FFF2-40B4-BE49-F238E27FC236}">
-                <a16:creationId xmlns:a16="http://schemas.microsoft.com/office/drawing/2014/main" id="{753BDC86-DB68-148E-72EA-565B19545D99}"/>
-              </a:ext>
-            </a:extLst>
-          </p:cNvPr>
-          <p:cNvPicPr>
-            <a:picLocks noChangeAspect="1"/>
-          </p:cNvPicPr>
-          <p:nvPr/>
-        </p:nvPicPr>
-        <p:blipFill>
-          <a:blip r:embed="rId3"/>
-          <a:stretch>
-            <a:fillRect/>
-          </a:stretch>
-        </p:blipFill>
-        <p:spPr>
-          <a:xfrm>
-            <a:off x="0" y="1834454"/>
-            <a:ext cx="8842917" cy="4096069"/>
-          </a:xfrm>
-          <a:prstGeom prst="rect">
-            <a:avLst/>
-          </a:prstGeom>
-        </p:spPr>
-      </p:pic>
-      <p:sp>
-        <p:nvSpPr>
-          <p:cNvPr id="6" name="TextBox 5">
-            <a:extLst>
-              <a:ext uri="{FF2B5EF4-FFF2-40B4-BE49-F238E27FC236}">
-                <a16:creationId xmlns:a16="http://schemas.microsoft.com/office/drawing/2014/main" id="{5DF05147-4FE2-24A6-AF3A-2D0C918BF8A5}"/>
-              </a:ext>
-            </a:extLst>
-          </p:cNvPr>
-          <p:cNvSpPr txBox="1"/>
-          <p:nvPr/>
-        </p:nvSpPr>
-        <p:spPr>
-          <a:xfrm>
-            <a:off x="211874" y="1199423"/>
-            <a:ext cx="4616604" cy="400110"/>
-          </a:xfrm>
-          <a:prstGeom prst="rect">
-            <a:avLst/>
-          </a:prstGeom>
-          <a:noFill/>
-        </p:spPr>
-        <p:txBody>
-          <a:bodyPr wrap="square">
-            <a:spAutoFit/>
-          </a:bodyPr>
-          <a:lstStyle/>
-          <a:p>
-            <a:r>
-              <a:rPr lang="en-US" altLang="zh-CN" sz="2000" dirty="0"/>
-              <a:t>Full cycle / </a:t>
-            </a:r>
-            <a:r>
-              <a:rPr lang="zh-CN" altLang="en-US" sz="2000" dirty="0"/>
-              <a:t>流程</a:t>
-            </a:r>
-            <a:endParaRPr lang="en-US" dirty="0"/>
-          </a:p>
-        </p:txBody>
-      </p:sp>
-      <p:sp>
-        <p:nvSpPr>
-          <p:cNvPr id="8" name="TextBox 7">
-            <a:extLst>
-              <a:ext uri="{FF2B5EF4-FFF2-40B4-BE49-F238E27FC236}">
-                <a16:creationId xmlns:a16="http://schemas.microsoft.com/office/drawing/2014/main" id="{8F797679-AEED-9440-2870-2EE03A3BD350}"/>
-              </a:ext>
-            </a:extLst>
-          </p:cNvPr>
-          <p:cNvSpPr txBox="1"/>
-          <p:nvPr/>
-        </p:nvSpPr>
-        <p:spPr>
-          <a:xfrm>
-            <a:off x="541020" y="1877544"/>
-            <a:ext cx="998220" cy="215444"/>
-          </a:xfrm>
-          <a:prstGeom prst="rect">
-            <a:avLst/>
-          </a:prstGeom>
-          <a:noFill/>
-        </p:spPr>
-        <p:txBody>
-          <a:bodyPr wrap="square" rtlCol="0">
-            <a:spAutoFit/>
-          </a:bodyPr>
-          <a:lstStyle/>
-          <a:p>
-            <a:r>
-              <a:rPr lang="zh-CN" altLang="en-US" sz="800" dirty="0"/>
-              <a:t>积累收集数据</a:t>
-            </a:r>
-            <a:endParaRPr lang="en-US" sz="800" dirty="0"/>
-          </a:p>
-        </p:txBody>
-      </p:sp>
-      <p:sp>
-        <p:nvSpPr>
-          <p:cNvPr id="9" name="TextBox 8">
-            <a:extLst>
-              <a:ext uri="{FF2B5EF4-FFF2-40B4-BE49-F238E27FC236}">
-                <a16:creationId xmlns:a16="http://schemas.microsoft.com/office/drawing/2014/main" id="{AE6E2B88-29BB-3713-05B3-4C16EBCF887B}"/>
-              </a:ext>
-            </a:extLst>
-          </p:cNvPr>
-          <p:cNvSpPr txBox="1"/>
-          <p:nvPr/>
-        </p:nvSpPr>
-        <p:spPr>
-          <a:xfrm>
-            <a:off x="1935480" y="1870898"/>
-            <a:ext cx="998220" cy="215444"/>
-          </a:xfrm>
-          <a:prstGeom prst="rect">
-            <a:avLst/>
-          </a:prstGeom>
-          <a:noFill/>
-        </p:spPr>
-        <p:txBody>
-          <a:bodyPr wrap="square" rtlCol="0">
-            <a:spAutoFit/>
-          </a:bodyPr>
-          <a:lstStyle/>
-          <a:p>
-            <a:r>
-              <a:rPr lang="zh-CN" altLang="en-US" sz="800" dirty="0"/>
-              <a:t>数据分析及预处理</a:t>
-            </a:r>
-            <a:endParaRPr lang="en-US" sz="800" dirty="0"/>
-          </a:p>
-        </p:txBody>
-      </p:sp>
-      <p:sp>
-        <p:nvSpPr>
-          <p:cNvPr id="11" name="TextBox 10">
-            <a:extLst>
-              <a:ext uri="{FF2B5EF4-FFF2-40B4-BE49-F238E27FC236}">
-                <a16:creationId xmlns:a16="http://schemas.microsoft.com/office/drawing/2014/main" id="{5E308A87-45CC-E090-891E-90F820709103}"/>
-              </a:ext>
-            </a:extLst>
-          </p:cNvPr>
-          <p:cNvSpPr txBox="1"/>
-          <p:nvPr/>
-        </p:nvSpPr>
-        <p:spPr>
-          <a:xfrm>
-            <a:off x="3360420" y="1856632"/>
-            <a:ext cx="998220" cy="215444"/>
-          </a:xfrm>
-          <a:prstGeom prst="rect">
-            <a:avLst/>
-          </a:prstGeom>
-          <a:noFill/>
-        </p:spPr>
-        <p:txBody>
-          <a:bodyPr wrap="square" rtlCol="0">
-            <a:spAutoFit/>
-          </a:bodyPr>
-          <a:lstStyle/>
-          <a:p>
-            <a:pPr algn="ctr"/>
-            <a:r>
-              <a:rPr lang="zh-CN" altLang="en-US" sz="800" dirty="0"/>
-              <a:t>建模</a:t>
-            </a:r>
-            <a:endParaRPr lang="en-US" sz="800" dirty="0"/>
-          </a:p>
-        </p:txBody>
-      </p:sp>
-      <p:sp>
-        <p:nvSpPr>
-          <p:cNvPr id="12" name="TextBox 11">
-            <a:extLst>
-              <a:ext uri="{FF2B5EF4-FFF2-40B4-BE49-F238E27FC236}">
-                <a16:creationId xmlns:a16="http://schemas.microsoft.com/office/drawing/2014/main" id="{15A4327B-1CE9-3EF0-FC72-261A29CBEB1B}"/>
-              </a:ext>
-            </a:extLst>
-          </p:cNvPr>
-          <p:cNvSpPr txBox="1"/>
-          <p:nvPr/>
-        </p:nvSpPr>
-        <p:spPr>
-          <a:xfrm>
-            <a:off x="4828478" y="1870898"/>
-            <a:ext cx="998220" cy="215444"/>
-          </a:xfrm>
-          <a:prstGeom prst="rect">
-            <a:avLst/>
-          </a:prstGeom>
-          <a:noFill/>
-        </p:spPr>
-        <p:txBody>
-          <a:bodyPr wrap="square" rtlCol="0">
-            <a:spAutoFit/>
-          </a:bodyPr>
-          <a:lstStyle/>
-          <a:p>
-            <a:pPr algn="ctr"/>
-            <a:r>
-              <a:rPr lang="zh-CN" altLang="en-US" sz="800" dirty="0"/>
-              <a:t>模型评估</a:t>
-            </a:r>
-            <a:endParaRPr lang="en-US" sz="800" dirty="0"/>
-          </a:p>
-        </p:txBody>
-      </p:sp>
-      <p:sp>
-        <p:nvSpPr>
-          <p:cNvPr id="13" name="TextBox 12">
-            <a:extLst>
-              <a:ext uri="{FF2B5EF4-FFF2-40B4-BE49-F238E27FC236}">
-                <a16:creationId xmlns:a16="http://schemas.microsoft.com/office/drawing/2014/main" id="{9CB17AD9-2DE4-F580-6B0D-8295CA24F205}"/>
-              </a:ext>
-            </a:extLst>
-          </p:cNvPr>
-          <p:cNvSpPr txBox="1"/>
-          <p:nvPr/>
-        </p:nvSpPr>
-        <p:spPr>
-          <a:xfrm>
-            <a:off x="6101668" y="1870898"/>
-            <a:ext cx="998220" cy="215444"/>
-          </a:xfrm>
-          <a:prstGeom prst="rect">
-            <a:avLst/>
-          </a:prstGeom>
-          <a:noFill/>
-        </p:spPr>
-        <p:txBody>
-          <a:bodyPr wrap="square" rtlCol="0">
-            <a:spAutoFit/>
-          </a:bodyPr>
-          <a:lstStyle/>
-          <a:p>
-            <a:pPr algn="ctr"/>
-            <a:r>
-              <a:rPr lang="zh-CN" altLang="en-US" sz="800" dirty="0"/>
-              <a:t>付诸实施</a:t>
-            </a:r>
-            <a:endParaRPr lang="en-US" sz="800" dirty="0"/>
-          </a:p>
-        </p:txBody>
-      </p:sp>
-      <p:sp>
-        <p:nvSpPr>
-          <p:cNvPr id="14" name="TextBox 13">
-            <a:extLst>
-              <a:ext uri="{FF2B5EF4-FFF2-40B4-BE49-F238E27FC236}">
-                <a16:creationId xmlns:a16="http://schemas.microsoft.com/office/drawing/2014/main" id="{39836872-35B1-5F1F-9487-1B4D4833E356}"/>
-              </a:ext>
-            </a:extLst>
-          </p:cNvPr>
-          <p:cNvSpPr txBox="1"/>
-          <p:nvPr/>
-        </p:nvSpPr>
-        <p:spPr>
-          <a:xfrm>
-            <a:off x="7580506" y="1856632"/>
-            <a:ext cx="998220" cy="215444"/>
-          </a:xfrm>
-          <a:prstGeom prst="rect">
-            <a:avLst/>
-          </a:prstGeom>
-          <a:noFill/>
-        </p:spPr>
-        <p:txBody>
-          <a:bodyPr wrap="square" rtlCol="0">
-            <a:spAutoFit/>
-          </a:bodyPr>
-          <a:lstStyle/>
-          <a:p>
-            <a:pPr algn="ctr"/>
-            <a:r>
-              <a:rPr lang="zh-CN" altLang="en-US" sz="800" dirty="0"/>
-              <a:t>模型更新</a:t>
-            </a:r>
-            <a:endParaRPr lang="en-US" sz="800" dirty="0"/>
-          </a:p>
-        </p:txBody>
-      </p:sp>
-    </p:spTree>
-    <p:extLst>
-      <p:ext uri="{BB962C8B-B14F-4D97-AF65-F5344CB8AC3E}">
-        <p14:creationId xmlns:p14="http://schemas.microsoft.com/office/powerpoint/2010/main" val="1959026466"/>
-      </p:ext>
-    </p:extLst>
-  </p:cSld>
-  <p:clrMapOvr>
-    <a:masterClrMapping/>
-  </p:clrMapOvr>
-</p:sld>
-</file>
-
-<file path=ppt/slides/slide12.xml><?xml version="1.0" encoding="utf-8"?>
-<p:sld xmlns:a="http://schemas.openxmlformats.org/drawingml/2006/main" xmlns:r="http://schemas.openxmlformats.org/officeDocument/2006/relationships" xmlns:p="http://schemas.openxmlformats.org/presentationml/2006/main">
-  <p:cSld>
-    <p:spTree>
-      <p:nvGrpSpPr>
-        <p:cNvPr id="1" name=""/>
-        <p:cNvGrpSpPr/>
-        <p:nvPr/>
-      </p:nvGrpSpPr>
-      <p:grpSpPr>
-        <a:xfrm>
-          <a:off x="0" y="0"/>
-          <a:ext cx="0" cy="0"/>
-          <a:chOff x="0" y="0"/>
-          <a:chExt cx="0" cy="0"/>
-        </a:xfrm>
-      </p:grpSpPr>
-      <p:sp>
-        <p:nvSpPr>
-          <p:cNvPr id="3" name="TextBox 2">
-            <a:extLst>
-              <a:ext uri="{FF2B5EF4-FFF2-40B4-BE49-F238E27FC236}">
-                <a16:creationId xmlns:a16="http://schemas.microsoft.com/office/drawing/2014/main" id="{AF8FC9BB-9DB2-095C-1565-78DB9BCA5227}"/>
-              </a:ext>
-            </a:extLst>
-          </p:cNvPr>
-          <p:cNvSpPr txBox="1"/>
-          <p:nvPr/>
-        </p:nvSpPr>
-        <p:spPr>
-          <a:xfrm>
-            <a:off x="7165428" y="857250"/>
-            <a:ext cx="1978573" cy="323165"/>
-          </a:xfrm>
-          <a:prstGeom prst="rect">
-            <a:avLst/>
-          </a:prstGeom>
-          <a:noFill/>
-        </p:spPr>
-        <p:txBody>
-          <a:bodyPr wrap="square" rtlCol="0">
-            <a:spAutoFit/>
-          </a:bodyPr>
-          <a:lstStyle/>
-          <a:p>
-            <a:pPr algn="r"/>
-            <a:r>
-              <a:rPr lang="en-US" altLang="zh-CN" sz="1500" dirty="0">
-                <a:solidFill>
-                  <a:schemeClr val="bg1">
-                    <a:lumMod val="85000"/>
-                  </a:schemeClr>
-                </a:solidFill>
-              </a:rPr>
-              <a:t>AAFIE, 2022</a:t>
-            </a:r>
-            <a:endParaRPr lang="en-US" sz="1500" dirty="0">
-              <a:solidFill>
-                <a:schemeClr val="bg1">
-                  <a:lumMod val="85000"/>
-                </a:schemeClr>
-              </a:solidFill>
-            </a:endParaRPr>
-          </a:p>
-        </p:txBody>
-      </p:sp>
-      <p:sp>
-        <p:nvSpPr>
-          <p:cNvPr id="10" name="Rectangle 9">
-            <a:extLst>
-              <a:ext uri="{FF2B5EF4-FFF2-40B4-BE49-F238E27FC236}">
-                <a16:creationId xmlns:a16="http://schemas.microsoft.com/office/drawing/2014/main" id="{1510A9D2-9B0F-CE65-A9E9-831F782E8464}"/>
-              </a:ext>
-            </a:extLst>
-          </p:cNvPr>
-          <p:cNvSpPr/>
-          <p:nvPr/>
-        </p:nvSpPr>
-        <p:spPr>
-          <a:xfrm>
-            <a:off x="635619" y="247842"/>
-            <a:ext cx="8601879" cy="523220"/>
-          </a:xfrm>
-          <a:prstGeom prst="rect">
-            <a:avLst/>
-          </a:prstGeom>
-        </p:spPr>
-        <p:txBody>
-          <a:bodyPr wrap="square">
-            <a:spAutoFit/>
-          </a:bodyPr>
-          <a:lstStyle/>
-          <a:p>
-            <a:r>
-              <a:rPr lang="en-US" altLang="zh-CN" sz="2800" dirty="0"/>
-              <a:t>In-class project introduction </a:t>
-            </a:r>
-            <a:r>
-              <a:rPr lang="zh-CN" altLang="en-US" sz="2800" dirty="0"/>
-              <a:t>课堂项目介绍</a:t>
-            </a:r>
-            <a:endParaRPr lang="en-US" sz="3600" dirty="0">
-              <a:latin typeface="+mn-lt"/>
-            </a:endParaRPr>
-          </a:p>
-        </p:txBody>
-      </p:sp>
-      <p:graphicFrame>
-        <p:nvGraphicFramePr>
-          <p:cNvPr id="2" name="Object 1">
-            <a:extLst>
-              <a:ext uri="{FF2B5EF4-FFF2-40B4-BE49-F238E27FC236}">
-                <a16:creationId xmlns:a16="http://schemas.microsoft.com/office/drawing/2014/main" id="{7E77DC27-696C-95D7-6A9F-135D28BBA851}"/>
-              </a:ext>
-            </a:extLst>
-          </p:cNvPr>
-          <p:cNvGraphicFramePr>
-            <a:graphicFrameLocks noChangeAspect="1"/>
-          </p:cNvGraphicFramePr>
-          <p:nvPr>
-            <p:extLst>
-              <p:ext uri="{D42A27DB-BD31-4B8C-83A1-F6EECF244321}">
-                <p14:modId xmlns:p14="http://schemas.microsoft.com/office/powerpoint/2010/main" val="3140167391"/>
-              </p:ext>
-            </p:extLst>
-          </p:nvPr>
-        </p:nvGraphicFramePr>
-        <p:xfrm>
-          <a:off x="2049189" y="4910650"/>
-          <a:ext cx="6105525" cy="1533525"/>
-        </p:xfrm>
-        <a:graphic>
-          <a:graphicData uri="http://schemas.openxmlformats.org/presentationml/2006/ole">
-            <mc:AlternateContent xmlns:mc="http://schemas.openxmlformats.org/markup-compatibility/2006">
-              <mc:Choice xmlns:v="urn:schemas-microsoft-com:vml" Requires="v">
-                <p:oleObj name="Worksheet" r:id="rId2" imgW="6105557" imgH="1533463" progId="Excel.Sheet.12">
-                  <p:embed/>
-                </p:oleObj>
-              </mc:Choice>
-              <mc:Fallback>
-                <p:oleObj name="Worksheet" r:id="rId2" imgW="6105557" imgH="1533463" progId="Excel.Sheet.12">
-                  <p:embed/>
-                  <p:pic>
-                    <p:nvPicPr>
-                      <p:cNvPr id="0" name=""/>
-                      <p:cNvPicPr/>
-                      <p:nvPr/>
-                    </p:nvPicPr>
-                    <p:blipFill>
-                      <a:blip r:embed="rId3"/>
-                      <a:stretch>
-                        <a:fillRect/>
-                      </a:stretch>
-                    </p:blipFill>
-                    <p:spPr>
-                      <a:xfrm>
-                        <a:off x="2049189" y="4910650"/>
-                        <a:ext cx="6105525" cy="1533525"/>
-                      </a:xfrm>
-                      <a:prstGeom prst="rect">
-                        <a:avLst/>
-                      </a:prstGeom>
-                    </p:spPr>
-                  </p:pic>
-                </p:oleObj>
-              </mc:Fallback>
-            </mc:AlternateContent>
-          </a:graphicData>
-        </a:graphic>
-      </p:graphicFrame>
-      <p:graphicFrame>
-        <p:nvGraphicFramePr>
-          <p:cNvPr id="5" name="Object 4">
-            <a:extLst>
-              <a:ext uri="{FF2B5EF4-FFF2-40B4-BE49-F238E27FC236}">
-                <a16:creationId xmlns:a16="http://schemas.microsoft.com/office/drawing/2014/main" id="{664460C8-D39A-8A63-71F8-B51B6E394A4B}"/>
-              </a:ext>
-            </a:extLst>
-          </p:cNvPr>
-          <p:cNvGraphicFramePr>
-            <a:graphicFrameLocks noChangeAspect="1"/>
-          </p:cNvGraphicFramePr>
-          <p:nvPr>
-            <p:extLst>
-              <p:ext uri="{D42A27DB-BD31-4B8C-83A1-F6EECF244321}">
-                <p14:modId xmlns:p14="http://schemas.microsoft.com/office/powerpoint/2010/main" val="3619314930"/>
-              </p:ext>
-            </p:extLst>
-          </p:nvPr>
-        </p:nvGraphicFramePr>
-        <p:xfrm>
-          <a:off x="1938502" y="3333829"/>
-          <a:ext cx="6105525" cy="1724025"/>
-        </p:xfrm>
-        <a:graphic>
-          <a:graphicData uri="http://schemas.openxmlformats.org/presentationml/2006/ole">
-            <mc:AlternateContent xmlns:mc="http://schemas.openxmlformats.org/markup-compatibility/2006">
-              <mc:Choice xmlns:v="urn:schemas-microsoft-com:vml" Requires="v">
-                <p:oleObj name="Worksheet" r:id="rId4" imgW="6105557" imgH="1723915" progId="Excel.Sheet.12">
-                  <p:embed/>
-                </p:oleObj>
-              </mc:Choice>
-              <mc:Fallback>
-                <p:oleObj name="Worksheet" r:id="rId4" imgW="6105557" imgH="1723915" progId="Excel.Sheet.12">
-                  <p:embed/>
-                  <p:pic>
-                    <p:nvPicPr>
-                      <p:cNvPr id="0" name=""/>
-                      <p:cNvPicPr/>
-                      <p:nvPr/>
-                    </p:nvPicPr>
-                    <p:blipFill>
-                      <a:blip r:embed="rId5"/>
-                      <a:stretch>
-                        <a:fillRect/>
-                      </a:stretch>
-                    </p:blipFill>
-                    <p:spPr>
-                      <a:xfrm>
-                        <a:off x="1938502" y="3333829"/>
-                        <a:ext cx="6105525" cy="1724025"/>
-                      </a:xfrm>
-                      <a:prstGeom prst="rect">
-                        <a:avLst/>
-                      </a:prstGeom>
-                    </p:spPr>
-                  </p:pic>
-                </p:oleObj>
-              </mc:Fallback>
-            </mc:AlternateContent>
-          </a:graphicData>
-        </a:graphic>
-      </p:graphicFrame>
-      <p:graphicFrame>
-        <p:nvGraphicFramePr>
-          <p:cNvPr id="7" name="Object 6">
-            <a:extLst>
-              <a:ext uri="{FF2B5EF4-FFF2-40B4-BE49-F238E27FC236}">
-                <a16:creationId xmlns:a16="http://schemas.microsoft.com/office/drawing/2014/main" id="{ACCAEDFD-7809-F64D-E3F1-630C5EC23349}"/>
-              </a:ext>
-            </a:extLst>
-          </p:cNvPr>
-          <p:cNvGraphicFramePr>
-            <a:graphicFrameLocks noChangeAspect="1"/>
-          </p:cNvGraphicFramePr>
-          <p:nvPr>
-            <p:extLst>
-              <p:ext uri="{D42A27DB-BD31-4B8C-83A1-F6EECF244321}">
-                <p14:modId xmlns:p14="http://schemas.microsoft.com/office/powerpoint/2010/main" val="4191298936"/>
-              </p:ext>
-            </p:extLst>
-          </p:nvPr>
-        </p:nvGraphicFramePr>
-        <p:xfrm>
-          <a:off x="1726510" y="1880374"/>
-          <a:ext cx="6105525" cy="1724025"/>
-        </p:xfrm>
-        <a:graphic>
-          <a:graphicData uri="http://schemas.openxmlformats.org/presentationml/2006/ole">
-            <mc:AlternateContent xmlns:mc="http://schemas.openxmlformats.org/markup-compatibility/2006">
-              <mc:Choice xmlns:v="urn:schemas-microsoft-com:vml" Requires="v">
-                <p:oleObj name="Worksheet" r:id="rId6" imgW="6105557" imgH="1723915" progId="Excel.Sheet.12">
-                  <p:embed/>
-                </p:oleObj>
-              </mc:Choice>
-              <mc:Fallback>
-                <p:oleObj name="Worksheet" r:id="rId6" imgW="6105557" imgH="1723915" progId="Excel.Sheet.12">
-                  <p:embed/>
-                  <p:pic>
-                    <p:nvPicPr>
-                      <p:cNvPr id="0" name=""/>
-                      <p:cNvPicPr/>
-                      <p:nvPr/>
-                    </p:nvPicPr>
-                    <p:blipFill>
-                      <a:blip r:embed="rId7"/>
-                      <a:stretch>
-                        <a:fillRect/>
-                      </a:stretch>
-                    </p:blipFill>
-                    <p:spPr>
-                      <a:xfrm>
-                        <a:off x="1726510" y="1880374"/>
-                        <a:ext cx="6105525" cy="1724025"/>
-                      </a:xfrm>
-                      <a:prstGeom prst="rect">
-                        <a:avLst/>
-                      </a:prstGeom>
-                    </p:spPr>
-                  </p:pic>
-                </p:oleObj>
-              </mc:Fallback>
-            </mc:AlternateContent>
-          </a:graphicData>
-        </a:graphic>
-      </p:graphicFrame>
-      <p:sp>
-        <p:nvSpPr>
-          <p:cNvPr id="8" name="Arrow: Up 7">
-            <a:extLst>
-              <a:ext uri="{FF2B5EF4-FFF2-40B4-BE49-F238E27FC236}">
-                <a16:creationId xmlns:a16="http://schemas.microsoft.com/office/drawing/2014/main" id="{1D0E613B-6C19-1A87-FA70-D9026902E88D}"/>
-              </a:ext>
-            </a:extLst>
-          </p:cNvPr>
-          <p:cNvSpPr/>
-          <p:nvPr/>
-        </p:nvSpPr>
-        <p:spPr bwMode="auto">
-          <a:xfrm>
-            <a:off x="1311965" y="857250"/>
-            <a:ext cx="755374" cy="4931356"/>
-          </a:xfrm>
-          <a:prstGeom prst="upArrow">
-            <a:avLst/>
-          </a:prstGeom>
-          <a:solidFill>
-            <a:schemeClr val="accent5">
-              <a:lumMod val="25000"/>
-            </a:schemeClr>
-          </a:solidFill>
-          <a:ln w="9525" cap="flat" cmpd="sng" algn="ctr">
-            <a:solidFill>
-              <a:schemeClr val="tx1"/>
-            </a:solidFill>
-            <a:prstDash val="solid"/>
-            <a:round/>
-            <a:headEnd type="none" w="med" len="med"/>
-            <a:tailEnd type="none" w="med" len="med"/>
-          </a:ln>
-          <a:effectLst/>
-        </p:spPr>
-        <p:txBody>
-          <a:bodyPr vert="horz" wrap="square" lIns="91440" tIns="45720" rIns="91440" bIns="45720" numCol="1" rtlCol="0" anchor="t" anchorCtr="0" compatLnSpc="1">
-            <a:prstTxWarp prst="textNoShape">
-              <a:avLst/>
-            </a:prstTxWarp>
-          </a:bodyPr>
-          <a:lstStyle/>
-          <a:p>
-            <a:pPr marL="0" marR="0" indent="0" algn="l" defTabSz="914400" rtl="0" eaLnBrk="1" fontAlgn="base" latinLnBrk="0" hangingPunct="1">
-              <a:lnSpc>
-                <a:spcPct val="100000"/>
-              </a:lnSpc>
-              <a:spcBef>
-                <a:spcPct val="0"/>
-              </a:spcBef>
-              <a:spcAft>
-                <a:spcPct val="0"/>
-              </a:spcAft>
-              <a:buClrTx/>
-              <a:buSzTx/>
-              <a:buFontTx/>
-              <a:buNone/>
-              <a:tabLst/>
-            </a:pPr>
-            <a:r>
-              <a:rPr kumimoji="0" lang="en-US" sz="2000" b="1" i="0" u="none" strike="noStrike" cap="none" normalizeH="0" baseline="0" dirty="0">
-                <a:ln>
-                  <a:noFill/>
-                </a:ln>
-                <a:solidFill>
-                  <a:schemeClr val="tx1"/>
-                </a:solidFill>
-                <a:effectLst/>
-                <a:latin typeface="Arial" charset="0"/>
-              </a:rPr>
-              <a:t>Steps</a:t>
-            </a:r>
-          </a:p>
-          <a:p>
-            <a:pPr marL="0" marR="0" indent="0" algn="l" defTabSz="914400" rtl="0" eaLnBrk="1" fontAlgn="base" latinLnBrk="0" hangingPunct="1">
-              <a:lnSpc>
-                <a:spcPct val="100000"/>
-              </a:lnSpc>
-              <a:spcBef>
-                <a:spcPct val="0"/>
-              </a:spcBef>
-              <a:spcAft>
-                <a:spcPct val="0"/>
-              </a:spcAft>
-              <a:buClrTx/>
-              <a:buSzTx/>
-              <a:buFontTx/>
-              <a:buNone/>
-              <a:tabLst/>
-            </a:pPr>
-            <a:endParaRPr lang="en-US" dirty="0">
-              <a:latin typeface="Arial" charset="0"/>
-            </a:endParaRPr>
-          </a:p>
-          <a:p>
-            <a:pPr marL="0" marR="0" indent="0" algn="l" defTabSz="914400" rtl="0" eaLnBrk="1" fontAlgn="base" latinLnBrk="0" hangingPunct="1">
-              <a:lnSpc>
-                <a:spcPct val="100000"/>
-              </a:lnSpc>
-              <a:spcBef>
-                <a:spcPct val="0"/>
-              </a:spcBef>
-              <a:spcAft>
-                <a:spcPct val="0"/>
-              </a:spcAft>
-              <a:buClrTx/>
-              <a:buSzTx/>
-              <a:buFontTx/>
-              <a:buNone/>
-              <a:tabLst/>
-            </a:pPr>
-            <a:r>
-              <a:rPr kumimoji="0" lang="zh-CN" altLang="en-US" sz="2000" b="1" i="0" u="none" strike="noStrike" cap="none" normalizeH="0" baseline="0" dirty="0">
-                <a:ln>
-                  <a:noFill/>
-                </a:ln>
-                <a:solidFill>
-                  <a:schemeClr val="tx1"/>
-                </a:solidFill>
-                <a:effectLst/>
-                <a:latin typeface="Arial" charset="0"/>
-              </a:rPr>
-              <a:t>步骤</a:t>
-            </a:r>
-            <a:endParaRPr kumimoji="0" lang="en-US" sz="2000" b="1" i="0" u="none" strike="noStrike" cap="none" normalizeH="0" baseline="0" dirty="0">
-              <a:ln>
-                <a:noFill/>
-              </a:ln>
-              <a:solidFill>
-                <a:schemeClr val="tx1"/>
-              </a:solidFill>
-              <a:effectLst/>
-              <a:latin typeface="Arial" charset="0"/>
-            </a:endParaRPr>
-          </a:p>
-        </p:txBody>
-      </p:sp>
-      <p:graphicFrame>
-        <p:nvGraphicFramePr>
-          <p:cNvPr id="9" name="Object 8">
-            <a:extLst>
-              <a:ext uri="{FF2B5EF4-FFF2-40B4-BE49-F238E27FC236}">
-                <a16:creationId xmlns:a16="http://schemas.microsoft.com/office/drawing/2014/main" id="{27C909C0-ED6E-AF02-EDEC-D17B997E5A12}"/>
-              </a:ext>
-            </a:extLst>
-          </p:cNvPr>
-          <p:cNvGraphicFramePr>
-            <a:graphicFrameLocks noChangeAspect="1"/>
-          </p:cNvGraphicFramePr>
-          <p:nvPr>
-            <p:extLst>
-              <p:ext uri="{D42A27DB-BD31-4B8C-83A1-F6EECF244321}">
-                <p14:modId xmlns:p14="http://schemas.microsoft.com/office/powerpoint/2010/main" val="1033789657"/>
-              </p:ext>
-            </p:extLst>
-          </p:nvPr>
-        </p:nvGraphicFramePr>
-        <p:xfrm>
-          <a:off x="1689652" y="920686"/>
-          <a:ext cx="6105525" cy="1152525"/>
-        </p:xfrm>
-        <a:graphic>
-          <a:graphicData uri="http://schemas.openxmlformats.org/presentationml/2006/ole">
-            <mc:AlternateContent xmlns:mc="http://schemas.openxmlformats.org/markup-compatibility/2006">
-              <mc:Choice xmlns:v="urn:schemas-microsoft-com:vml" Requires="v">
-                <p:oleObj name="Worksheet" r:id="rId8" imgW="6105557" imgH="1152559" progId="Excel.Sheet.12">
-                  <p:embed/>
-                </p:oleObj>
-              </mc:Choice>
-              <mc:Fallback>
-                <p:oleObj name="Worksheet" r:id="rId8" imgW="6105557" imgH="1152559" progId="Excel.Sheet.12">
-                  <p:embed/>
-                  <p:pic>
-                    <p:nvPicPr>
-                      <p:cNvPr id="0" name=""/>
-                      <p:cNvPicPr/>
-                      <p:nvPr/>
-                    </p:nvPicPr>
-                    <p:blipFill>
-                      <a:blip r:embed="rId9"/>
-                      <a:stretch>
-                        <a:fillRect/>
-                      </a:stretch>
-                    </p:blipFill>
-                    <p:spPr>
-                      <a:xfrm>
-                        <a:off x="1689652" y="920686"/>
-                        <a:ext cx="6105525" cy="1152525"/>
-                      </a:xfrm>
-                      <a:prstGeom prst="rect">
-                        <a:avLst/>
-                      </a:prstGeom>
-                    </p:spPr>
-                  </p:pic>
-                </p:oleObj>
-              </mc:Fallback>
-            </mc:AlternateContent>
-          </a:graphicData>
-        </a:graphic>
-      </p:graphicFrame>
-    </p:spTree>
-    <p:extLst>
-      <p:ext uri="{BB962C8B-B14F-4D97-AF65-F5344CB8AC3E}">
-        <p14:creationId xmlns:p14="http://schemas.microsoft.com/office/powerpoint/2010/main" val="1755790657"/>
-      </p:ext>
-    </p:extLst>
-  </p:cSld>
-  <p:clrMapOvr>
-    <a:masterClrMapping/>
-  </p:clrMapOvr>
-</p:sld>
-</file>
-
-<file path=ppt/slides/slide13.xml><?xml version="1.0" encoding="utf-8"?>
-<p:sld xmlns:a="http://schemas.openxmlformats.org/drawingml/2006/main" xmlns:r="http://schemas.openxmlformats.org/officeDocument/2006/relationships" xmlns:p="http://schemas.openxmlformats.org/presentationml/2006/main">
-  <p:cSld>
-    <p:spTree>
-      <p:nvGrpSpPr>
-        <p:cNvPr id="1" name=""/>
-        <p:cNvGrpSpPr/>
-        <p:nvPr/>
-      </p:nvGrpSpPr>
-      <p:grpSpPr>
-        <a:xfrm>
-          <a:off x="0" y="0"/>
-          <a:ext cx="0" cy="0"/>
-          <a:chOff x="0" y="0"/>
-          <a:chExt cx="0" cy="0"/>
-        </a:xfrm>
-      </p:grpSpPr>
-      <p:sp>
-        <p:nvSpPr>
           <p:cNvPr id="61442" name="TextBox 1">
             <a:extLst>
               <a:ext uri="{FF2B5EF4-FFF2-40B4-BE49-F238E27FC236}">
@@ -6840,7 +5265,7 @@
 </p:sld>
 </file>
 
-<file path=ppt/slides/slide14.xml><?xml version="1.0" encoding="utf-8"?>
+<file path=ppt/slides/slide11.xml><?xml version="1.0" encoding="utf-8"?>
 <p:sld xmlns:a="http://schemas.openxmlformats.org/drawingml/2006/main" xmlns:r="http://schemas.openxmlformats.org/officeDocument/2006/relationships" xmlns:p="http://schemas.openxmlformats.org/presentationml/2006/main">
   <p:cSld>
     <p:spTree>
@@ -7026,7 +5451,7 @@
 </p:sld>
 </file>
 
-<file path=ppt/slides/slide15.xml><?xml version="1.0" encoding="utf-8"?>
+<file path=ppt/slides/slide12.xml><?xml version="1.0" encoding="utf-8"?>
 <p:sld xmlns:a="http://schemas.openxmlformats.org/drawingml/2006/main" xmlns:r="http://schemas.openxmlformats.org/officeDocument/2006/relationships" xmlns:p="http://schemas.openxmlformats.org/presentationml/2006/main">
   <p:cSld>
     <p:spTree>
@@ -8634,367 +7059,6 @@
           <a:lstStyle/>
           <a:p>
             <a:r>
-              <a:rPr lang="en-US" altLang="zh-CN" sz="2800" dirty="0"/>
-              <a:t>General ML  ML/AI Project Full Cycle </a:t>
-            </a:r>
-            <a:r>
-              <a:rPr lang="zh-CN" altLang="en-US" sz="2800" dirty="0"/>
-              <a:t>流程</a:t>
-            </a:r>
-            <a:endParaRPr lang="en-US" sz="3600" dirty="0">
-              <a:latin typeface="+mn-lt"/>
-            </a:endParaRPr>
-          </a:p>
-        </p:txBody>
-      </p:sp>
-      <p:pic>
-        <p:nvPicPr>
-          <p:cNvPr id="4" name="Picture 3">
-            <a:extLst>
-              <a:ext uri="{FF2B5EF4-FFF2-40B4-BE49-F238E27FC236}">
-                <a16:creationId xmlns:a16="http://schemas.microsoft.com/office/drawing/2014/main" id="{753BDC86-DB68-148E-72EA-565B19545D99}"/>
-              </a:ext>
-            </a:extLst>
-          </p:cNvPr>
-          <p:cNvPicPr>
-            <a:picLocks noChangeAspect="1"/>
-          </p:cNvPicPr>
-          <p:nvPr/>
-        </p:nvPicPr>
-        <p:blipFill>
-          <a:blip r:embed="rId3"/>
-          <a:stretch>
-            <a:fillRect/>
-          </a:stretch>
-        </p:blipFill>
-        <p:spPr>
-          <a:xfrm>
-            <a:off x="0" y="1834454"/>
-            <a:ext cx="8842917" cy="4096069"/>
-          </a:xfrm>
-          <a:prstGeom prst="rect">
-            <a:avLst/>
-          </a:prstGeom>
-        </p:spPr>
-      </p:pic>
-      <p:sp>
-        <p:nvSpPr>
-          <p:cNvPr id="6" name="TextBox 5">
-            <a:extLst>
-              <a:ext uri="{FF2B5EF4-FFF2-40B4-BE49-F238E27FC236}">
-                <a16:creationId xmlns:a16="http://schemas.microsoft.com/office/drawing/2014/main" id="{5DF05147-4FE2-24A6-AF3A-2D0C918BF8A5}"/>
-              </a:ext>
-            </a:extLst>
-          </p:cNvPr>
-          <p:cNvSpPr txBox="1"/>
-          <p:nvPr/>
-        </p:nvSpPr>
-        <p:spPr>
-          <a:xfrm>
-            <a:off x="211874" y="1199423"/>
-            <a:ext cx="4616604" cy="400110"/>
-          </a:xfrm>
-          <a:prstGeom prst="rect">
-            <a:avLst/>
-          </a:prstGeom>
-          <a:noFill/>
-        </p:spPr>
-        <p:txBody>
-          <a:bodyPr wrap="square">
-            <a:spAutoFit/>
-          </a:bodyPr>
-          <a:lstStyle/>
-          <a:p>
-            <a:r>
-              <a:rPr lang="en-US" altLang="zh-CN" sz="2000" dirty="0"/>
-              <a:t>Full cycle / </a:t>
-            </a:r>
-            <a:r>
-              <a:rPr lang="zh-CN" altLang="en-US" sz="2000" dirty="0"/>
-              <a:t>流程</a:t>
-            </a:r>
-            <a:endParaRPr lang="en-US" dirty="0"/>
-          </a:p>
-        </p:txBody>
-      </p:sp>
-      <p:sp>
-        <p:nvSpPr>
-          <p:cNvPr id="8" name="TextBox 7">
-            <a:extLst>
-              <a:ext uri="{FF2B5EF4-FFF2-40B4-BE49-F238E27FC236}">
-                <a16:creationId xmlns:a16="http://schemas.microsoft.com/office/drawing/2014/main" id="{8F797679-AEED-9440-2870-2EE03A3BD350}"/>
-              </a:ext>
-            </a:extLst>
-          </p:cNvPr>
-          <p:cNvSpPr txBox="1"/>
-          <p:nvPr/>
-        </p:nvSpPr>
-        <p:spPr>
-          <a:xfrm>
-            <a:off x="541020" y="1877544"/>
-            <a:ext cx="998220" cy="215444"/>
-          </a:xfrm>
-          <a:prstGeom prst="rect">
-            <a:avLst/>
-          </a:prstGeom>
-          <a:noFill/>
-        </p:spPr>
-        <p:txBody>
-          <a:bodyPr wrap="square" rtlCol="0">
-            <a:spAutoFit/>
-          </a:bodyPr>
-          <a:lstStyle/>
-          <a:p>
-            <a:r>
-              <a:rPr lang="zh-CN" altLang="en-US" sz="800" dirty="0"/>
-              <a:t>积累收集数据</a:t>
-            </a:r>
-            <a:endParaRPr lang="en-US" sz="800" dirty="0"/>
-          </a:p>
-        </p:txBody>
-      </p:sp>
-      <p:sp>
-        <p:nvSpPr>
-          <p:cNvPr id="9" name="TextBox 8">
-            <a:extLst>
-              <a:ext uri="{FF2B5EF4-FFF2-40B4-BE49-F238E27FC236}">
-                <a16:creationId xmlns:a16="http://schemas.microsoft.com/office/drawing/2014/main" id="{AE6E2B88-29BB-3713-05B3-4C16EBCF887B}"/>
-              </a:ext>
-            </a:extLst>
-          </p:cNvPr>
-          <p:cNvSpPr txBox="1"/>
-          <p:nvPr/>
-        </p:nvSpPr>
-        <p:spPr>
-          <a:xfrm>
-            <a:off x="1935480" y="1870898"/>
-            <a:ext cx="998220" cy="215444"/>
-          </a:xfrm>
-          <a:prstGeom prst="rect">
-            <a:avLst/>
-          </a:prstGeom>
-          <a:noFill/>
-        </p:spPr>
-        <p:txBody>
-          <a:bodyPr wrap="square" rtlCol="0">
-            <a:spAutoFit/>
-          </a:bodyPr>
-          <a:lstStyle/>
-          <a:p>
-            <a:r>
-              <a:rPr lang="zh-CN" altLang="en-US" sz="800" dirty="0"/>
-              <a:t>数据分析及预处理</a:t>
-            </a:r>
-            <a:endParaRPr lang="en-US" sz="800" dirty="0"/>
-          </a:p>
-        </p:txBody>
-      </p:sp>
-      <p:sp>
-        <p:nvSpPr>
-          <p:cNvPr id="11" name="TextBox 10">
-            <a:extLst>
-              <a:ext uri="{FF2B5EF4-FFF2-40B4-BE49-F238E27FC236}">
-                <a16:creationId xmlns:a16="http://schemas.microsoft.com/office/drawing/2014/main" id="{5E308A87-45CC-E090-891E-90F820709103}"/>
-              </a:ext>
-            </a:extLst>
-          </p:cNvPr>
-          <p:cNvSpPr txBox="1"/>
-          <p:nvPr/>
-        </p:nvSpPr>
-        <p:spPr>
-          <a:xfrm>
-            <a:off x="3360420" y="1856632"/>
-            <a:ext cx="998220" cy="215444"/>
-          </a:xfrm>
-          <a:prstGeom prst="rect">
-            <a:avLst/>
-          </a:prstGeom>
-          <a:noFill/>
-        </p:spPr>
-        <p:txBody>
-          <a:bodyPr wrap="square" rtlCol="0">
-            <a:spAutoFit/>
-          </a:bodyPr>
-          <a:lstStyle/>
-          <a:p>
-            <a:pPr algn="ctr"/>
-            <a:r>
-              <a:rPr lang="zh-CN" altLang="en-US" sz="800" dirty="0"/>
-              <a:t>建模</a:t>
-            </a:r>
-            <a:endParaRPr lang="en-US" sz="800" dirty="0"/>
-          </a:p>
-        </p:txBody>
-      </p:sp>
-      <p:sp>
-        <p:nvSpPr>
-          <p:cNvPr id="12" name="TextBox 11">
-            <a:extLst>
-              <a:ext uri="{FF2B5EF4-FFF2-40B4-BE49-F238E27FC236}">
-                <a16:creationId xmlns:a16="http://schemas.microsoft.com/office/drawing/2014/main" id="{15A4327B-1CE9-3EF0-FC72-261A29CBEB1B}"/>
-              </a:ext>
-            </a:extLst>
-          </p:cNvPr>
-          <p:cNvSpPr txBox="1"/>
-          <p:nvPr/>
-        </p:nvSpPr>
-        <p:spPr>
-          <a:xfrm>
-            <a:off x="4828478" y="1870898"/>
-            <a:ext cx="998220" cy="215444"/>
-          </a:xfrm>
-          <a:prstGeom prst="rect">
-            <a:avLst/>
-          </a:prstGeom>
-          <a:noFill/>
-        </p:spPr>
-        <p:txBody>
-          <a:bodyPr wrap="square" rtlCol="0">
-            <a:spAutoFit/>
-          </a:bodyPr>
-          <a:lstStyle/>
-          <a:p>
-            <a:pPr algn="ctr"/>
-            <a:r>
-              <a:rPr lang="zh-CN" altLang="en-US" sz="800" dirty="0"/>
-              <a:t>模型评估</a:t>
-            </a:r>
-            <a:endParaRPr lang="en-US" sz="800" dirty="0"/>
-          </a:p>
-        </p:txBody>
-      </p:sp>
-      <p:sp>
-        <p:nvSpPr>
-          <p:cNvPr id="13" name="TextBox 12">
-            <a:extLst>
-              <a:ext uri="{FF2B5EF4-FFF2-40B4-BE49-F238E27FC236}">
-                <a16:creationId xmlns:a16="http://schemas.microsoft.com/office/drawing/2014/main" id="{9CB17AD9-2DE4-F580-6B0D-8295CA24F205}"/>
-              </a:ext>
-            </a:extLst>
-          </p:cNvPr>
-          <p:cNvSpPr txBox="1"/>
-          <p:nvPr/>
-        </p:nvSpPr>
-        <p:spPr>
-          <a:xfrm>
-            <a:off x="6101668" y="1870898"/>
-            <a:ext cx="998220" cy="215444"/>
-          </a:xfrm>
-          <a:prstGeom prst="rect">
-            <a:avLst/>
-          </a:prstGeom>
-          <a:noFill/>
-        </p:spPr>
-        <p:txBody>
-          <a:bodyPr wrap="square" rtlCol="0">
-            <a:spAutoFit/>
-          </a:bodyPr>
-          <a:lstStyle/>
-          <a:p>
-            <a:pPr algn="ctr"/>
-            <a:r>
-              <a:rPr lang="zh-CN" altLang="en-US" sz="800" dirty="0"/>
-              <a:t>付诸实施</a:t>
-            </a:r>
-            <a:endParaRPr lang="en-US" sz="800" dirty="0"/>
-          </a:p>
-        </p:txBody>
-      </p:sp>
-      <p:sp>
-        <p:nvSpPr>
-          <p:cNvPr id="14" name="TextBox 13">
-            <a:extLst>
-              <a:ext uri="{FF2B5EF4-FFF2-40B4-BE49-F238E27FC236}">
-                <a16:creationId xmlns:a16="http://schemas.microsoft.com/office/drawing/2014/main" id="{39836872-35B1-5F1F-9487-1B4D4833E356}"/>
-              </a:ext>
-            </a:extLst>
-          </p:cNvPr>
-          <p:cNvSpPr txBox="1"/>
-          <p:nvPr/>
-        </p:nvSpPr>
-        <p:spPr>
-          <a:xfrm>
-            <a:off x="7580506" y="1856632"/>
-            <a:ext cx="998220" cy="215444"/>
-          </a:xfrm>
-          <a:prstGeom prst="rect">
-            <a:avLst/>
-          </a:prstGeom>
-          <a:noFill/>
-        </p:spPr>
-        <p:txBody>
-          <a:bodyPr wrap="square" rtlCol="0">
-            <a:spAutoFit/>
-          </a:bodyPr>
-          <a:lstStyle/>
-          <a:p>
-            <a:pPr algn="ctr"/>
-            <a:r>
-              <a:rPr lang="zh-CN" altLang="en-US" sz="800" dirty="0"/>
-              <a:t>模型更新</a:t>
-            </a:r>
-            <a:endParaRPr lang="en-US" sz="800" dirty="0"/>
-          </a:p>
-        </p:txBody>
-      </p:sp>
-    </p:spTree>
-    <p:extLst>
-      <p:ext uri="{BB962C8B-B14F-4D97-AF65-F5344CB8AC3E}">
-        <p14:creationId xmlns:p14="http://schemas.microsoft.com/office/powerpoint/2010/main" val="743317729"/>
-      </p:ext>
-    </p:extLst>
-  </p:cSld>
-  <p:clrMapOvr>
-    <a:masterClrMapping/>
-  </p:clrMapOvr>
-</p:sld>
-</file>
-
-<file path=ppt/slides/slide8.xml><?xml version="1.0" encoding="utf-8"?>
-<p:sld xmlns:a="http://schemas.openxmlformats.org/drawingml/2006/main" xmlns:r="http://schemas.openxmlformats.org/officeDocument/2006/relationships" xmlns:p="http://schemas.openxmlformats.org/presentationml/2006/main">
-  <p:cSld>
-    <p:spTree>
-      <p:nvGrpSpPr>
-        <p:cNvPr id="1" name=""/>
-        <p:cNvGrpSpPr/>
-        <p:nvPr/>
-      </p:nvGrpSpPr>
-      <p:grpSpPr>
-        <a:xfrm>
-          <a:off x="0" y="0"/>
-          <a:ext cx="0" cy="0"/>
-          <a:chOff x="0" y="0"/>
-          <a:chExt cx="0" cy="0"/>
-        </a:xfrm>
-      </p:grpSpPr>
-      <p:sp>
-        <p:nvSpPr>
-          <p:cNvPr id="2" name="Rectangle 1">
-            <a:extLst>
-              <a:ext uri="{FF2B5EF4-FFF2-40B4-BE49-F238E27FC236}">
-                <a16:creationId xmlns:a16="http://schemas.microsoft.com/office/drawing/2014/main" id="{993C83E1-2D59-AEB1-B857-08F68F057438}"/>
-              </a:ext>
-            </a:extLst>
-          </p:cNvPr>
-          <p:cNvSpPr/>
-          <p:nvPr/>
-        </p:nvSpPr>
-        <p:spPr>
-          <a:xfrm>
-            <a:off x="635619" y="247842"/>
-            <a:ext cx="8601879" cy="523220"/>
-          </a:xfrm>
-          <a:prstGeom prst="rect">
-            <a:avLst/>
-          </a:prstGeom>
-        </p:spPr>
-        <p:txBody>
-          <a:bodyPr wrap="square">
-            <a:spAutoFit/>
-          </a:bodyPr>
-          <a:lstStyle/>
-          <a:p>
-            <a:r>
               <a:rPr lang="en-US" altLang="zh-CN" sz="2800" dirty="0" err="1"/>
               <a:t>PdM</a:t>
             </a:r>
@@ -9192,7 +7256,7 @@
 </p:sld>
 </file>
 
-<file path=ppt/slides/slide9.xml><?xml version="1.0" encoding="utf-8"?>
+<file path=ppt/slides/slide8.xml><?xml version="1.0" encoding="utf-8"?>
 <p:sld xmlns:a="http://schemas.openxmlformats.org/drawingml/2006/main" xmlns:r="http://schemas.openxmlformats.org/officeDocument/2006/relationships" xmlns:p="http://schemas.openxmlformats.org/presentationml/2006/main">
   <p:cSld>
     <p:spTree>
@@ -9590,6 +7654,291 @@
     <p:extLst>
       <p:ext uri="{BB962C8B-B14F-4D97-AF65-F5344CB8AC3E}">
         <p14:creationId xmlns:p14="http://schemas.microsoft.com/office/powerpoint/2010/main" val="251924233"/>
+      </p:ext>
+    </p:extLst>
+  </p:cSld>
+  <p:clrMapOvr>
+    <a:masterClrMapping/>
+  </p:clrMapOvr>
+</p:sld>
+</file>
+
+<file path=ppt/slides/slide9.xml><?xml version="1.0" encoding="utf-8"?>
+<p:sld xmlns:a="http://schemas.openxmlformats.org/drawingml/2006/main" xmlns:r="http://schemas.openxmlformats.org/officeDocument/2006/relationships" xmlns:p="http://schemas.openxmlformats.org/presentationml/2006/main">
+  <p:cSld>
+    <p:spTree>
+      <p:nvGrpSpPr>
+        <p:cNvPr id="1" name=""/>
+        <p:cNvGrpSpPr/>
+        <p:nvPr/>
+      </p:nvGrpSpPr>
+      <p:grpSpPr>
+        <a:xfrm>
+          <a:off x="0" y="0"/>
+          <a:ext cx="0" cy="0"/>
+          <a:chOff x="0" y="0"/>
+          <a:chExt cx="0" cy="0"/>
+        </a:xfrm>
+      </p:grpSpPr>
+      <p:sp>
+        <p:nvSpPr>
+          <p:cNvPr id="3" name="TextBox 2">
+            <a:extLst>
+              <a:ext uri="{FF2B5EF4-FFF2-40B4-BE49-F238E27FC236}">
+                <a16:creationId xmlns:a16="http://schemas.microsoft.com/office/drawing/2014/main" id="{AF8FC9BB-9DB2-095C-1565-78DB9BCA5227}"/>
+              </a:ext>
+            </a:extLst>
+          </p:cNvPr>
+          <p:cNvSpPr txBox="1"/>
+          <p:nvPr/>
+        </p:nvSpPr>
+        <p:spPr>
+          <a:xfrm>
+            <a:off x="7165428" y="857250"/>
+            <a:ext cx="1978573" cy="323165"/>
+          </a:xfrm>
+          <a:prstGeom prst="rect">
+            <a:avLst/>
+          </a:prstGeom>
+          <a:noFill/>
+        </p:spPr>
+        <p:txBody>
+          <a:bodyPr wrap="square" rtlCol="0">
+            <a:spAutoFit/>
+          </a:bodyPr>
+          <a:lstStyle/>
+          <a:p>
+            <a:pPr algn="r"/>
+            <a:r>
+              <a:rPr lang="en-US" altLang="zh-CN" sz="1500" dirty="0">
+                <a:solidFill>
+                  <a:schemeClr val="bg1">
+                    <a:lumMod val="85000"/>
+                  </a:schemeClr>
+                </a:solidFill>
+              </a:rPr>
+              <a:t>AAFIE, 2022</a:t>
+            </a:r>
+            <a:endParaRPr lang="en-US" sz="1500" dirty="0">
+              <a:solidFill>
+                <a:schemeClr val="bg1">
+                  <a:lumMod val="85000"/>
+                </a:schemeClr>
+              </a:solidFill>
+            </a:endParaRPr>
+          </a:p>
+        </p:txBody>
+      </p:sp>
+      <p:sp>
+        <p:nvSpPr>
+          <p:cNvPr id="10" name="Rectangle 9">
+            <a:extLst>
+              <a:ext uri="{FF2B5EF4-FFF2-40B4-BE49-F238E27FC236}">
+                <a16:creationId xmlns:a16="http://schemas.microsoft.com/office/drawing/2014/main" id="{1510A9D2-9B0F-CE65-A9E9-831F782E8464}"/>
+              </a:ext>
+            </a:extLst>
+          </p:cNvPr>
+          <p:cNvSpPr/>
+          <p:nvPr/>
+        </p:nvSpPr>
+        <p:spPr>
+          <a:xfrm>
+            <a:off x="635619" y="247842"/>
+            <a:ext cx="8601879" cy="523220"/>
+          </a:xfrm>
+          <a:prstGeom prst="rect">
+            <a:avLst/>
+          </a:prstGeom>
+        </p:spPr>
+        <p:txBody>
+          <a:bodyPr wrap="square">
+            <a:spAutoFit/>
+          </a:bodyPr>
+          <a:lstStyle/>
+          <a:p>
+            <a:r>
+              <a:rPr lang="en-US" altLang="zh-CN" sz="2800" dirty="0"/>
+              <a:t>In-class project introduction </a:t>
+            </a:r>
+            <a:r>
+              <a:rPr lang="zh-CN" altLang="en-US" sz="2800" dirty="0"/>
+              <a:t>课堂项目介绍</a:t>
+            </a:r>
+            <a:endParaRPr lang="en-US" sz="3600" dirty="0">
+              <a:latin typeface="+mn-lt"/>
+            </a:endParaRPr>
+          </a:p>
+        </p:txBody>
+      </p:sp>
+      <p:sp>
+        <p:nvSpPr>
+          <p:cNvPr id="6" name="TextBox 5">
+            <a:extLst>
+              <a:ext uri="{FF2B5EF4-FFF2-40B4-BE49-F238E27FC236}">
+                <a16:creationId xmlns:a16="http://schemas.microsoft.com/office/drawing/2014/main" id="{23EB4840-530F-8777-5214-45EA32B6695E}"/>
+              </a:ext>
+            </a:extLst>
+          </p:cNvPr>
+          <p:cNvSpPr txBox="1"/>
+          <p:nvPr/>
+        </p:nvSpPr>
+        <p:spPr>
+          <a:xfrm>
+            <a:off x="390329" y="980360"/>
+            <a:ext cx="8601879" cy="400110"/>
+          </a:xfrm>
+          <a:prstGeom prst="rect">
+            <a:avLst/>
+          </a:prstGeom>
+          <a:noFill/>
+        </p:spPr>
+        <p:txBody>
+          <a:bodyPr wrap="square">
+            <a:spAutoFit/>
+          </a:bodyPr>
+          <a:lstStyle/>
+          <a:p>
+            <a:r>
+              <a:rPr lang="en-US" b="1" i="0" dirty="0">
+                <a:solidFill>
+                  <a:srgbClr val="202124"/>
+                </a:solidFill>
+                <a:effectLst/>
+                <a:latin typeface="Roboto" panose="02000000000000000000" pitchFamily="2" charset="0"/>
+              </a:rPr>
+              <a:t>Datasets / </a:t>
+            </a:r>
+            <a:r>
+              <a:rPr lang="zh-CN" altLang="en-US" b="1" i="0" dirty="0">
+                <a:solidFill>
+                  <a:srgbClr val="202124"/>
+                </a:solidFill>
+                <a:effectLst/>
+                <a:latin typeface="Roboto" panose="02000000000000000000" pitchFamily="2" charset="0"/>
+              </a:rPr>
+              <a:t>数据包</a:t>
+            </a:r>
+            <a:endParaRPr lang="en-US" b="1" i="0" dirty="0">
+              <a:solidFill>
+                <a:srgbClr val="202124"/>
+              </a:solidFill>
+              <a:effectLst/>
+              <a:latin typeface="Roboto" panose="02000000000000000000" pitchFamily="2" charset="0"/>
+            </a:endParaRPr>
+          </a:p>
+        </p:txBody>
+      </p:sp>
+      <p:sp>
+        <p:nvSpPr>
+          <p:cNvPr id="2" name="TextBox 1">
+            <a:extLst>
+              <a:ext uri="{FF2B5EF4-FFF2-40B4-BE49-F238E27FC236}">
+                <a16:creationId xmlns:a16="http://schemas.microsoft.com/office/drawing/2014/main" id="{EE2703F0-BDCC-8697-26AF-3BF6F6F6A1CA}"/>
+              </a:ext>
+            </a:extLst>
+          </p:cNvPr>
+          <p:cNvSpPr txBox="1"/>
+          <p:nvPr/>
+        </p:nvSpPr>
+        <p:spPr>
+          <a:xfrm>
+            <a:off x="256478" y="1628078"/>
+            <a:ext cx="8578487" cy="400110"/>
+          </a:xfrm>
+          <a:prstGeom prst="rect">
+            <a:avLst/>
+          </a:prstGeom>
+          <a:noFill/>
+        </p:spPr>
+        <p:txBody>
+          <a:bodyPr wrap="square" rtlCol="0">
+            <a:spAutoFit/>
+          </a:bodyPr>
+          <a:lstStyle/>
+          <a:p>
+            <a:r>
+              <a:rPr lang="zh-CN" altLang="en-US" dirty="0"/>
+              <a:t>（</a:t>
+            </a:r>
+            <a:r>
+              <a:rPr lang="en-US" altLang="zh-CN" dirty="0"/>
+              <a:t>for classification / </a:t>
+            </a:r>
+            <a:r>
+              <a:rPr lang="zh-CN" altLang="en-US" dirty="0"/>
+              <a:t>分类）</a:t>
+            </a:r>
+            <a:endParaRPr lang="en-US" dirty="0"/>
+          </a:p>
+        </p:txBody>
+      </p:sp>
+      <p:graphicFrame>
+        <p:nvGraphicFramePr>
+          <p:cNvPr id="9" name="Object 8">
+            <a:extLst>
+              <a:ext uri="{FF2B5EF4-FFF2-40B4-BE49-F238E27FC236}">
+                <a16:creationId xmlns:a16="http://schemas.microsoft.com/office/drawing/2014/main" id="{5AF70B8A-7203-3873-26BC-7AAB1AE2A8B0}"/>
+              </a:ext>
+            </a:extLst>
+          </p:cNvPr>
+          <p:cNvGraphicFramePr>
+            <a:graphicFrameLocks noChangeAspect="1"/>
+          </p:cNvGraphicFramePr>
+          <p:nvPr>
+            <p:extLst>
+              <p:ext uri="{D42A27DB-BD31-4B8C-83A1-F6EECF244321}">
+                <p14:modId xmlns:p14="http://schemas.microsoft.com/office/powerpoint/2010/main" val="2035545235"/>
+              </p:ext>
+            </p:extLst>
+          </p:nvPr>
+        </p:nvGraphicFramePr>
+        <p:xfrm>
+          <a:off x="925551" y="2257425"/>
+          <a:ext cx="7757985" cy="1656653"/>
+        </p:xfrm>
+        <a:graphic>
+          <a:graphicData uri="http://schemas.openxmlformats.org/presentationml/2006/ole">
+            <mc:AlternateContent xmlns:mc="http://schemas.openxmlformats.org/markup-compatibility/2006">
+              <mc:Choice xmlns:v="urn:schemas-microsoft-com:vml" Requires="v">
+                <p:oleObj name="Worksheet" r:id="rId2" imgW="5486400" imgH="1171474" progId="Excel.Sheet.12">
+                  <p:embed/>
+                </p:oleObj>
+              </mc:Choice>
+              <mc:Fallback>
+                <p:oleObj name="Worksheet" r:id="rId2" imgW="5486400" imgH="1171474" progId="Excel.Sheet.12">
+                  <p:embed/>
+                  <p:pic>
+                    <p:nvPicPr>
+                      <p:cNvPr id="0" name=""/>
+                      <p:cNvPicPr/>
+                      <p:nvPr/>
+                    </p:nvPicPr>
+                    <p:blipFill>
+                      <a:blip r:embed="rId3"/>
+                      <a:stretch>
+                        <a:fillRect/>
+                      </a:stretch>
+                    </p:blipFill>
+                    <p:spPr>
+                      <a:xfrm>
+                        <a:off x="925551" y="2257425"/>
+                        <a:ext cx="7757985" cy="1656653"/>
+                      </a:xfrm>
+                      <a:prstGeom prst="rect">
+                        <a:avLst/>
+                      </a:prstGeom>
+                    </p:spPr>
+                  </p:pic>
+                </p:oleObj>
+              </mc:Fallback>
+            </mc:AlternateContent>
+          </a:graphicData>
+        </a:graphic>
+      </p:graphicFrame>
+    </p:spTree>
+    <p:extLst>
+      <p:ext uri="{BB962C8B-B14F-4D97-AF65-F5344CB8AC3E}">
+        <p14:creationId xmlns:p14="http://schemas.microsoft.com/office/powerpoint/2010/main" val="1946204435"/>
       </p:ext>
     </p:extLst>
   </p:cSld>
